--- a/zz_document/project_Parfait/conceptUI.pptx
+++ b/zz_document/project_Parfait/conceptUI.pptx
@@ -249,7 +249,7 @@
           <a:p>
             <a:fld id="{DD6A9507-D28A-446F-914D-43B2607C29D4}" type="datetimeFigureOut">
               <a:rPr kumimoji="1" lang="ja-JP" altLang="en-US" smtClean="0"/>
-              <a:t>2022/3/21</a:t>
+              <a:t>2022/3/24</a:t>
             </a:fld>
             <a:endParaRPr kumimoji="1" lang="ja-JP" altLang="en-US"/>
           </a:p>
@@ -419,7 +419,7 @@
           <a:p>
             <a:fld id="{DD6A9507-D28A-446F-914D-43B2607C29D4}" type="datetimeFigureOut">
               <a:rPr kumimoji="1" lang="ja-JP" altLang="en-US" smtClean="0"/>
-              <a:t>2022/3/21</a:t>
+              <a:t>2022/3/24</a:t>
             </a:fld>
             <a:endParaRPr kumimoji="1" lang="ja-JP" altLang="en-US"/>
           </a:p>
@@ -599,7 +599,7 @@
           <a:p>
             <a:fld id="{DD6A9507-D28A-446F-914D-43B2607C29D4}" type="datetimeFigureOut">
               <a:rPr kumimoji="1" lang="ja-JP" altLang="en-US" smtClean="0"/>
-              <a:t>2022/3/21</a:t>
+              <a:t>2022/3/24</a:t>
             </a:fld>
             <a:endParaRPr kumimoji="1" lang="ja-JP" altLang="en-US"/>
           </a:p>
@@ -769,7 +769,7 @@
           <a:p>
             <a:fld id="{DD6A9507-D28A-446F-914D-43B2607C29D4}" type="datetimeFigureOut">
               <a:rPr kumimoji="1" lang="ja-JP" altLang="en-US" smtClean="0"/>
-              <a:t>2022/3/21</a:t>
+              <a:t>2022/3/24</a:t>
             </a:fld>
             <a:endParaRPr kumimoji="1" lang="ja-JP" altLang="en-US"/>
           </a:p>
@@ -1013,7 +1013,7 @@
           <a:p>
             <a:fld id="{DD6A9507-D28A-446F-914D-43B2607C29D4}" type="datetimeFigureOut">
               <a:rPr kumimoji="1" lang="ja-JP" altLang="en-US" smtClean="0"/>
-              <a:t>2022/3/21</a:t>
+              <a:t>2022/3/24</a:t>
             </a:fld>
             <a:endParaRPr kumimoji="1" lang="ja-JP" altLang="en-US"/>
           </a:p>
@@ -1245,7 +1245,7 @@
           <a:p>
             <a:fld id="{DD6A9507-D28A-446F-914D-43B2607C29D4}" type="datetimeFigureOut">
               <a:rPr kumimoji="1" lang="ja-JP" altLang="en-US" smtClean="0"/>
-              <a:t>2022/3/21</a:t>
+              <a:t>2022/3/24</a:t>
             </a:fld>
             <a:endParaRPr kumimoji="1" lang="ja-JP" altLang="en-US"/>
           </a:p>
@@ -1612,7 +1612,7 @@
           <a:p>
             <a:fld id="{DD6A9507-D28A-446F-914D-43B2607C29D4}" type="datetimeFigureOut">
               <a:rPr kumimoji="1" lang="ja-JP" altLang="en-US" smtClean="0"/>
-              <a:t>2022/3/21</a:t>
+              <a:t>2022/3/24</a:t>
             </a:fld>
             <a:endParaRPr kumimoji="1" lang="ja-JP" altLang="en-US"/>
           </a:p>
@@ -1730,7 +1730,7 @@
           <a:p>
             <a:fld id="{DD6A9507-D28A-446F-914D-43B2607C29D4}" type="datetimeFigureOut">
               <a:rPr kumimoji="1" lang="ja-JP" altLang="en-US" smtClean="0"/>
-              <a:t>2022/3/21</a:t>
+              <a:t>2022/3/24</a:t>
             </a:fld>
             <a:endParaRPr kumimoji="1" lang="ja-JP" altLang="en-US"/>
           </a:p>
@@ -1825,7 +1825,7 @@
           <a:p>
             <a:fld id="{DD6A9507-D28A-446F-914D-43B2607C29D4}" type="datetimeFigureOut">
               <a:rPr kumimoji="1" lang="ja-JP" altLang="en-US" smtClean="0"/>
-              <a:t>2022/3/21</a:t>
+              <a:t>2022/3/24</a:t>
             </a:fld>
             <a:endParaRPr kumimoji="1" lang="ja-JP" altLang="en-US"/>
           </a:p>
@@ -2102,7 +2102,7 @@
           <a:p>
             <a:fld id="{DD6A9507-D28A-446F-914D-43B2607C29D4}" type="datetimeFigureOut">
               <a:rPr kumimoji="1" lang="ja-JP" altLang="en-US" smtClean="0"/>
-              <a:t>2022/3/21</a:t>
+              <a:t>2022/3/24</a:t>
             </a:fld>
             <a:endParaRPr kumimoji="1" lang="ja-JP" altLang="en-US"/>
           </a:p>
@@ -2359,7 +2359,7 @@
           <a:p>
             <a:fld id="{DD6A9507-D28A-446F-914D-43B2607C29D4}" type="datetimeFigureOut">
               <a:rPr kumimoji="1" lang="ja-JP" altLang="en-US" smtClean="0"/>
-              <a:t>2022/3/21</a:t>
+              <a:t>2022/3/24</a:t>
             </a:fld>
             <a:endParaRPr kumimoji="1" lang="ja-JP" altLang="en-US"/>
           </a:p>
@@ -2572,7 +2572,7 @@
           <a:p>
             <a:fld id="{DD6A9507-D28A-446F-914D-43B2607C29D4}" type="datetimeFigureOut">
               <a:rPr kumimoji="1" lang="ja-JP" altLang="en-US" smtClean="0"/>
-              <a:t>2022/3/21</a:t>
+              <a:t>2022/3/24</a:t>
             </a:fld>
             <a:endParaRPr kumimoji="1" lang="ja-JP" altLang="en-US"/>
           </a:p>
@@ -5936,7 +5936,7 @@
                   </a:schemeClr>
                 </a:solidFill>
               </a:rPr>
-              <a:t>Matching Type</a:t>
+              <a:t>Matching type</a:t>
             </a:r>
             <a:endParaRPr lang="ja-JP" altLang="en-US" sz="1696" b="1" u="sng" dirty="0">
               <a:solidFill>
@@ -6863,38 +6863,8 @@
                   </a:schemeClr>
                 </a:solidFill>
               </a:rPr>
-              <a:t>0.6</a:t>
-            </a:r>
-            <a:r>
-              <a:rPr lang="ja-JP" altLang="en-US" sz="1484" dirty="0">
-                <a:solidFill>
-                  <a:schemeClr val="tx1">
-                    <a:lumMod val="95000"/>
-                    <a:lumOff val="5000"/>
-                  </a:schemeClr>
-                </a:solidFill>
-              </a:rPr>
-              <a:t>～</a:t>
-            </a:r>
-            <a:r>
-              <a:rPr lang="en-US" altLang="ja-JP" sz="1484">
-                <a:solidFill>
-                  <a:schemeClr val="tx1">
-                    <a:lumMod val="95000"/>
-                    <a:lumOff val="5000"/>
-                  </a:schemeClr>
-                </a:solidFill>
-              </a:rPr>
-              <a:t>1 USD</a:t>
-            </a:r>
-            <a:endParaRPr lang="en-US" altLang="ja-JP" sz="1484" dirty="0">
-              <a:solidFill>
-                <a:schemeClr val="tx1">
-                  <a:lumMod val="95000"/>
-                  <a:lumOff val="5000"/>
-                </a:schemeClr>
-              </a:solidFill>
-            </a:endParaRPr>
+              <a:t>Little?</a:t>
+            </a:r>
           </a:p>
         </p:txBody>
       </p:sp>
@@ -7093,8 +7063,19 @@
                   </a:schemeClr>
                 </a:solidFill>
               </a:rPr>
-              <a:t>Pay or earn little?</a:t>
-            </a:r>
+              <a:t>Little?</a:t>
+            </a:r>
+            <a:endParaRPr lang="ja-JP" altLang="en-US" sz="1484" dirty="0">
+              <a:solidFill>
+                <a:schemeClr val="tx1">
+                  <a:lumMod val="95000"/>
+                  <a:lumOff val="5000"/>
+                </a:schemeClr>
+              </a:solidFill>
+            </a:endParaRPr>
+          </a:p>
+          <a:p>
+            <a:pPr algn="ctr"/>
             <a:endParaRPr lang="ja-JP" altLang="en-US" sz="1484" dirty="0">
               <a:solidFill>
                 <a:schemeClr val="tx1">
@@ -7186,8 +7167,8 @@
         </p:nvSpPr>
         <p:spPr>
           <a:xfrm>
-            <a:off x="4536490" y="995341"/>
-            <a:ext cx="1841684" cy="481219"/>
+            <a:off x="5449454" y="995341"/>
+            <a:ext cx="928719" cy="481219"/>
           </a:xfrm>
           <a:prstGeom prst="rect">
             <a:avLst/>
@@ -7221,7 +7202,7 @@
           <a:p>
             <a:r>
               <a:rPr lang="en-US" altLang="ja-JP" sz="1696" dirty="0"/>
-              <a:t>(monthly per match)</a:t>
+              <a:t>(monthly)</a:t>
             </a:r>
           </a:p>
         </p:txBody>
@@ -7284,16 +7265,44 @@
                   </a:schemeClr>
                 </a:solidFill>
               </a:rPr>
-              <a:t>Little?</a:t>
-            </a:r>
-            <a:endParaRPr lang="ja-JP" altLang="en-US" sz="1484" dirty="0">
-              <a:solidFill>
-                <a:schemeClr val="tx1">
-                  <a:lumMod val="95000"/>
-                  <a:lumOff val="5000"/>
-                </a:schemeClr>
-              </a:solidFill>
-            </a:endParaRPr>
+              <a:t>0.6</a:t>
+            </a:r>
+            <a:r>
+              <a:rPr lang="ja-JP" altLang="en-US" sz="1484" dirty="0">
+                <a:solidFill>
+                  <a:schemeClr val="tx1">
+                    <a:lumMod val="95000"/>
+                    <a:lumOff val="5000"/>
+                  </a:schemeClr>
+                </a:solidFill>
+              </a:rPr>
+              <a:t>～</a:t>
+            </a:r>
+            <a:r>
+              <a:rPr lang="en-US" altLang="ja-JP" sz="1484" dirty="0">
+                <a:solidFill>
+                  <a:schemeClr val="tx1">
+                    <a:lumMod val="95000"/>
+                    <a:lumOff val="5000"/>
+                  </a:schemeClr>
+                </a:solidFill>
+              </a:rPr>
+              <a:t>1 USD</a:t>
+            </a:r>
+          </a:p>
+          <a:p>
+            <a:pPr algn="ctr"/>
+            <a:r>
+              <a:rPr lang="en-US" altLang="ja-JP" sz="1484" dirty="0">
+                <a:solidFill>
+                  <a:schemeClr val="tx1">
+                    <a:lumMod val="95000"/>
+                    <a:lumOff val="5000"/>
+                  </a:schemeClr>
+                </a:solidFill>
+              </a:rPr>
+              <a:t>(/match, call for 2H)</a:t>
+            </a:r>
           </a:p>
         </p:txBody>
       </p:sp>
@@ -7355,7 +7364,7 @@
                   </a:schemeClr>
                 </a:solidFill>
               </a:rPr>
-              <a:t>Little?</a:t>
+              <a:t>Pay or earn little?</a:t>
             </a:r>
             <a:endParaRPr lang="ja-JP" altLang="en-US" sz="1484" dirty="0">
               <a:solidFill>
@@ -7556,7 +7565,7 @@
                   </a:schemeClr>
                 </a:solidFill>
               </a:rPr>
-              <a:t>Matching Type</a:t>
+              <a:t>Matching type</a:t>
             </a:r>
             <a:endParaRPr lang="ja-JP" altLang="en-US" sz="1696" b="1" u="sng" dirty="0">
               <a:solidFill>

--- a/zz_document/project_Parfait/conceptUI.pptx
+++ b/zz_document/project_Parfait/conceptUI.pptx
@@ -5,13 +5,14 @@
     <p:sldMasterId id="2147483684" r:id="rId1"/>
   </p:sldMasterIdLst>
   <p:sldIdLst>
-    <p:sldId id="256" r:id="rId2"/>
-    <p:sldId id="262" r:id="rId3"/>
-    <p:sldId id="261" r:id="rId4"/>
-    <p:sldId id="263" r:id="rId5"/>
-    <p:sldId id="257" r:id="rId6"/>
-    <p:sldId id="259" r:id="rId7"/>
-    <p:sldId id="260" r:id="rId8"/>
+    <p:sldId id="264" r:id="rId2"/>
+    <p:sldId id="256" r:id="rId3"/>
+    <p:sldId id="262" r:id="rId4"/>
+    <p:sldId id="261" r:id="rId5"/>
+    <p:sldId id="263" r:id="rId6"/>
+    <p:sldId id="257" r:id="rId7"/>
+    <p:sldId id="259" r:id="rId8"/>
+    <p:sldId id="260" r:id="rId9"/>
   </p:sldIdLst>
   <p:sldSz cx="6492875" cy="6858000"/>
   <p:notesSz cx="6858000" cy="9144000"/>
@@ -249,7 +250,7 @@
           <a:p>
             <a:fld id="{DD6A9507-D28A-446F-914D-43B2607C29D4}" type="datetimeFigureOut">
               <a:rPr kumimoji="1" lang="ja-JP" altLang="en-US" smtClean="0"/>
-              <a:t>2022/3/24</a:t>
+              <a:t>2022/4/2</a:t>
             </a:fld>
             <a:endParaRPr kumimoji="1" lang="ja-JP" altLang="en-US"/>
           </a:p>
@@ -419,7 +420,7 @@
           <a:p>
             <a:fld id="{DD6A9507-D28A-446F-914D-43B2607C29D4}" type="datetimeFigureOut">
               <a:rPr kumimoji="1" lang="ja-JP" altLang="en-US" smtClean="0"/>
-              <a:t>2022/3/24</a:t>
+              <a:t>2022/4/2</a:t>
             </a:fld>
             <a:endParaRPr kumimoji="1" lang="ja-JP" altLang="en-US"/>
           </a:p>
@@ -599,7 +600,7 @@
           <a:p>
             <a:fld id="{DD6A9507-D28A-446F-914D-43B2607C29D4}" type="datetimeFigureOut">
               <a:rPr kumimoji="1" lang="ja-JP" altLang="en-US" smtClean="0"/>
-              <a:t>2022/3/24</a:t>
+              <a:t>2022/4/2</a:t>
             </a:fld>
             <a:endParaRPr kumimoji="1" lang="ja-JP" altLang="en-US"/>
           </a:p>
@@ -769,7 +770,7 @@
           <a:p>
             <a:fld id="{DD6A9507-D28A-446F-914D-43B2607C29D4}" type="datetimeFigureOut">
               <a:rPr kumimoji="1" lang="ja-JP" altLang="en-US" smtClean="0"/>
-              <a:t>2022/3/24</a:t>
+              <a:t>2022/4/2</a:t>
             </a:fld>
             <a:endParaRPr kumimoji="1" lang="ja-JP" altLang="en-US"/>
           </a:p>
@@ -1013,7 +1014,7 @@
           <a:p>
             <a:fld id="{DD6A9507-D28A-446F-914D-43B2607C29D4}" type="datetimeFigureOut">
               <a:rPr kumimoji="1" lang="ja-JP" altLang="en-US" smtClean="0"/>
-              <a:t>2022/3/24</a:t>
+              <a:t>2022/4/2</a:t>
             </a:fld>
             <a:endParaRPr kumimoji="1" lang="ja-JP" altLang="en-US"/>
           </a:p>
@@ -1245,7 +1246,7 @@
           <a:p>
             <a:fld id="{DD6A9507-D28A-446F-914D-43B2607C29D4}" type="datetimeFigureOut">
               <a:rPr kumimoji="1" lang="ja-JP" altLang="en-US" smtClean="0"/>
-              <a:t>2022/3/24</a:t>
+              <a:t>2022/4/2</a:t>
             </a:fld>
             <a:endParaRPr kumimoji="1" lang="ja-JP" altLang="en-US"/>
           </a:p>
@@ -1612,7 +1613,7 @@
           <a:p>
             <a:fld id="{DD6A9507-D28A-446F-914D-43B2607C29D4}" type="datetimeFigureOut">
               <a:rPr kumimoji="1" lang="ja-JP" altLang="en-US" smtClean="0"/>
-              <a:t>2022/3/24</a:t>
+              <a:t>2022/4/2</a:t>
             </a:fld>
             <a:endParaRPr kumimoji="1" lang="ja-JP" altLang="en-US"/>
           </a:p>
@@ -1730,7 +1731,7 @@
           <a:p>
             <a:fld id="{DD6A9507-D28A-446F-914D-43B2607C29D4}" type="datetimeFigureOut">
               <a:rPr kumimoji="1" lang="ja-JP" altLang="en-US" smtClean="0"/>
-              <a:t>2022/3/24</a:t>
+              <a:t>2022/4/2</a:t>
             </a:fld>
             <a:endParaRPr kumimoji="1" lang="ja-JP" altLang="en-US"/>
           </a:p>
@@ -1825,7 +1826,7 @@
           <a:p>
             <a:fld id="{DD6A9507-D28A-446F-914D-43B2607C29D4}" type="datetimeFigureOut">
               <a:rPr kumimoji="1" lang="ja-JP" altLang="en-US" smtClean="0"/>
-              <a:t>2022/3/24</a:t>
+              <a:t>2022/4/2</a:t>
             </a:fld>
             <a:endParaRPr kumimoji="1" lang="ja-JP" altLang="en-US"/>
           </a:p>
@@ -2102,7 +2103,7 @@
           <a:p>
             <a:fld id="{DD6A9507-D28A-446F-914D-43B2607C29D4}" type="datetimeFigureOut">
               <a:rPr kumimoji="1" lang="ja-JP" altLang="en-US" smtClean="0"/>
-              <a:t>2022/3/24</a:t>
+              <a:t>2022/4/2</a:t>
             </a:fld>
             <a:endParaRPr kumimoji="1" lang="ja-JP" altLang="en-US"/>
           </a:p>
@@ -2359,7 +2360,7 @@
           <a:p>
             <a:fld id="{DD6A9507-D28A-446F-914D-43B2607C29D4}" type="datetimeFigureOut">
               <a:rPr kumimoji="1" lang="ja-JP" altLang="en-US" smtClean="0"/>
-              <a:t>2022/3/24</a:t>
+              <a:t>2022/4/2</a:t>
             </a:fld>
             <a:endParaRPr kumimoji="1" lang="ja-JP" altLang="en-US"/>
           </a:p>
@@ -2572,7 +2573,7 @@
           <a:p>
             <a:fld id="{DD6A9507-D28A-446F-914D-43B2607C29D4}" type="datetimeFigureOut">
               <a:rPr kumimoji="1" lang="ja-JP" altLang="en-US" smtClean="0"/>
-              <a:t>2022/3/24</a:t>
+              <a:t>2022/4/2</a:t>
             </a:fld>
             <a:endParaRPr kumimoji="1" lang="ja-JP" altLang="en-US"/>
           </a:p>
@@ -2977,6 +2978,365 @@
           <a:chExt cx="0" cy="0"/>
         </a:xfrm>
       </p:grpSpPr>
+      <p:sp>
+        <p:nvSpPr>
+          <p:cNvPr id="21" name="Rectangle 20">
+            <a:extLst>
+              <a:ext uri="{FF2B5EF4-FFF2-40B4-BE49-F238E27FC236}">
+                <a16:creationId xmlns:a16="http://schemas.microsoft.com/office/drawing/2014/main" id="{084DEB79-1A12-4920-931B-22125681A7EA}"/>
+              </a:ext>
+            </a:extLst>
+          </p:cNvPr>
+          <p:cNvSpPr/>
+          <p:nvPr/>
+        </p:nvSpPr>
+        <p:spPr>
+          <a:xfrm>
+            <a:off x="320023" y="351401"/>
+            <a:ext cx="4390522" cy="631008"/>
+          </a:xfrm>
+          <a:prstGeom prst="rect">
+            <a:avLst/>
+          </a:prstGeom>
+          <a:solidFill>
+            <a:schemeClr val="bg1"/>
+          </a:solidFill>
+          <a:ln>
+            <a:solidFill>
+              <a:schemeClr val="bg1"/>
+            </a:solidFill>
+          </a:ln>
+        </p:spPr>
+        <p:style>
+          <a:lnRef idx="2">
+            <a:schemeClr val="dk1"/>
+          </a:lnRef>
+          <a:fillRef idx="1">
+            <a:schemeClr val="lt1"/>
+          </a:fillRef>
+          <a:effectRef idx="0">
+            <a:schemeClr val="dk1"/>
+          </a:effectRef>
+          <a:fontRef idx="minor">
+            <a:schemeClr val="dk1"/>
+          </a:fontRef>
+        </p:style>
+        <p:txBody>
+          <a:bodyPr rtlCol="0" anchor="ctr"/>
+          <a:lstStyle/>
+          <a:p>
+            <a:r>
+              <a:rPr lang="en-US" altLang="ja-JP" sz="2120" b="1" dirty="0"/>
+              <a:t>This App contains 3 components</a:t>
+            </a:r>
+          </a:p>
+        </p:txBody>
+      </p:sp>
+      <p:sp>
+        <p:nvSpPr>
+          <p:cNvPr id="22" name="Rectangle 21">
+            <a:extLst>
+              <a:ext uri="{FF2B5EF4-FFF2-40B4-BE49-F238E27FC236}">
+                <a16:creationId xmlns:a16="http://schemas.microsoft.com/office/drawing/2014/main" id="{DD2C5545-46A7-4DC7-8D51-7756F9887475}"/>
+              </a:ext>
+            </a:extLst>
+          </p:cNvPr>
+          <p:cNvSpPr/>
+          <p:nvPr/>
+        </p:nvSpPr>
+        <p:spPr>
+          <a:xfrm>
+            <a:off x="119168" y="12802"/>
+            <a:ext cx="2926412" cy="410887"/>
+          </a:xfrm>
+          <a:prstGeom prst="rect">
+            <a:avLst/>
+          </a:prstGeom>
+          <a:solidFill>
+            <a:schemeClr val="bg1"/>
+          </a:solidFill>
+          <a:ln>
+            <a:solidFill>
+              <a:schemeClr val="bg1"/>
+            </a:solidFill>
+          </a:ln>
+        </p:spPr>
+        <p:style>
+          <a:lnRef idx="2">
+            <a:schemeClr val="dk1"/>
+          </a:lnRef>
+          <a:fillRef idx="1">
+            <a:schemeClr val="lt1"/>
+          </a:fillRef>
+          <a:effectRef idx="0">
+            <a:schemeClr val="dk1"/>
+          </a:effectRef>
+          <a:fontRef idx="minor">
+            <a:schemeClr val="dk1"/>
+          </a:fontRef>
+        </p:style>
+        <p:txBody>
+          <a:bodyPr rtlCol="0" anchor="ctr"/>
+          <a:lstStyle/>
+          <a:p>
+            <a:r>
+              <a:rPr lang="en-US" altLang="ja-JP" sz="2544" b="1" dirty="0" err="1"/>
+              <a:t>OverView</a:t>
+            </a:r>
+            <a:endParaRPr lang="en-US" altLang="ja-JP" sz="2544" b="1" dirty="0"/>
+          </a:p>
+        </p:txBody>
+      </p:sp>
+      <p:sp>
+        <p:nvSpPr>
+          <p:cNvPr id="2" name="Oval 1">
+            <a:extLst>
+              <a:ext uri="{FF2B5EF4-FFF2-40B4-BE49-F238E27FC236}">
+                <a16:creationId xmlns:a16="http://schemas.microsoft.com/office/drawing/2014/main" id="{8CF111E9-A476-4112-9D4E-38FF3217B5FA}"/>
+              </a:ext>
+            </a:extLst>
+          </p:cNvPr>
+          <p:cNvSpPr/>
+          <p:nvPr/>
+        </p:nvSpPr>
+        <p:spPr>
+          <a:xfrm>
+            <a:off x="2332037" y="1166092"/>
+            <a:ext cx="1828800" cy="1828800"/>
+          </a:xfrm>
+          <a:prstGeom prst="ellipse">
+            <a:avLst/>
+          </a:prstGeom>
+          <a:solidFill>
+            <a:srgbClr val="FFD597"/>
+          </a:solidFill>
+          <a:ln>
+            <a:solidFill>
+              <a:srgbClr val="ED6F11"/>
+            </a:solidFill>
+          </a:ln>
+        </p:spPr>
+        <p:style>
+          <a:lnRef idx="2">
+            <a:schemeClr val="accent1">
+              <a:shade val="50000"/>
+            </a:schemeClr>
+          </a:lnRef>
+          <a:fillRef idx="1">
+            <a:schemeClr val="accent1"/>
+          </a:fillRef>
+          <a:effectRef idx="0">
+            <a:schemeClr val="accent1"/>
+          </a:effectRef>
+          <a:fontRef idx="minor">
+            <a:schemeClr val="lt1"/>
+          </a:fontRef>
+        </p:style>
+        <p:txBody>
+          <a:bodyPr wrap="none" rtlCol="0" anchor="ctr"/>
+          <a:lstStyle/>
+          <a:p>
+            <a:pPr algn="ctr"/>
+            <a:r>
+              <a:rPr kumimoji="1" lang="en-US" altLang="ja-JP" dirty="0">
+                <a:solidFill>
+                  <a:schemeClr val="tx1"/>
+                </a:solidFill>
+              </a:rPr>
+              <a:t>Online English</a:t>
+            </a:r>
+          </a:p>
+          <a:p>
+            <a:pPr algn="ctr"/>
+            <a:r>
+              <a:rPr kumimoji="1" lang="en-US" altLang="ja-JP" dirty="0">
+                <a:solidFill>
+                  <a:schemeClr val="tx1"/>
+                </a:solidFill>
+              </a:rPr>
+              <a:t>Lesson</a:t>
+            </a:r>
+            <a:endParaRPr kumimoji="1" lang="ja-JP" altLang="en-US" dirty="0">
+              <a:solidFill>
+                <a:schemeClr val="tx1"/>
+              </a:solidFill>
+            </a:endParaRPr>
+          </a:p>
+        </p:txBody>
+      </p:sp>
+      <p:sp>
+        <p:nvSpPr>
+          <p:cNvPr id="23" name="Oval 22">
+            <a:extLst>
+              <a:ext uri="{FF2B5EF4-FFF2-40B4-BE49-F238E27FC236}">
+                <a16:creationId xmlns:a16="http://schemas.microsoft.com/office/drawing/2014/main" id="{429E0BD3-212B-4703-BFA3-E272FE9EEA23}"/>
+              </a:ext>
+            </a:extLst>
+          </p:cNvPr>
+          <p:cNvSpPr/>
+          <p:nvPr/>
+        </p:nvSpPr>
+        <p:spPr>
+          <a:xfrm>
+            <a:off x="481621" y="4084781"/>
+            <a:ext cx="1828800" cy="1828800"/>
+          </a:xfrm>
+          <a:prstGeom prst="ellipse">
+            <a:avLst/>
+          </a:prstGeom>
+          <a:solidFill>
+            <a:srgbClr val="FFD597"/>
+          </a:solidFill>
+          <a:ln>
+            <a:solidFill>
+              <a:srgbClr val="ED6F11"/>
+            </a:solidFill>
+          </a:ln>
+        </p:spPr>
+        <p:style>
+          <a:lnRef idx="2">
+            <a:schemeClr val="accent1">
+              <a:shade val="50000"/>
+            </a:schemeClr>
+          </a:lnRef>
+          <a:fillRef idx="1">
+            <a:schemeClr val="accent1"/>
+          </a:fillRef>
+          <a:effectRef idx="0">
+            <a:schemeClr val="accent1"/>
+          </a:effectRef>
+          <a:fontRef idx="minor">
+            <a:schemeClr val="lt1"/>
+          </a:fontRef>
+        </p:style>
+        <p:txBody>
+          <a:bodyPr wrap="none" rtlCol="0" anchor="ctr"/>
+          <a:lstStyle/>
+          <a:p>
+            <a:pPr algn="ctr"/>
+            <a:r>
+              <a:rPr kumimoji="1" lang="en-US" altLang="ja-JP" dirty="0">
+                <a:solidFill>
+                  <a:schemeClr val="tx1"/>
+                </a:solidFill>
+              </a:rPr>
+              <a:t>Habituation</a:t>
+            </a:r>
+            <a:endParaRPr kumimoji="1" lang="ja-JP" altLang="en-US" dirty="0">
+              <a:solidFill>
+                <a:schemeClr val="tx1"/>
+              </a:solidFill>
+            </a:endParaRPr>
+          </a:p>
+        </p:txBody>
+      </p:sp>
+      <p:sp>
+        <p:nvSpPr>
+          <p:cNvPr id="24" name="Oval 23">
+            <a:extLst>
+              <a:ext uri="{FF2B5EF4-FFF2-40B4-BE49-F238E27FC236}">
+                <a16:creationId xmlns:a16="http://schemas.microsoft.com/office/drawing/2014/main" id="{00FF819C-6669-4ACF-B8F5-2B40D5E272FC}"/>
+              </a:ext>
+            </a:extLst>
+          </p:cNvPr>
+          <p:cNvSpPr/>
+          <p:nvPr/>
+        </p:nvSpPr>
+        <p:spPr>
+          <a:xfrm>
+            <a:off x="4182455" y="4084781"/>
+            <a:ext cx="1828800" cy="1828800"/>
+          </a:xfrm>
+          <a:prstGeom prst="ellipse">
+            <a:avLst/>
+          </a:prstGeom>
+          <a:solidFill>
+            <a:srgbClr val="FFD597"/>
+          </a:solidFill>
+          <a:ln>
+            <a:solidFill>
+              <a:srgbClr val="ED6F11"/>
+            </a:solidFill>
+          </a:ln>
+        </p:spPr>
+        <p:style>
+          <a:lnRef idx="2">
+            <a:schemeClr val="accent1">
+              <a:shade val="50000"/>
+            </a:schemeClr>
+          </a:lnRef>
+          <a:fillRef idx="1">
+            <a:schemeClr val="accent1"/>
+          </a:fillRef>
+          <a:effectRef idx="0">
+            <a:schemeClr val="accent1"/>
+          </a:effectRef>
+          <a:fontRef idx="minor">
+            <a:schemeClr val="lt1"/>
+          </a:fontRef>
+        </p:style>
+        <p:txBody>
+          <a:bodyPr wrap="none" rtlCol="0" anchor="ctr"/>
+          <a:lstStyle/>
+          <a:p>
+            <a:pPr algn="ctr"/>
+            <a:r>
+              <a:rPr kumimoji="1" lang="en-US" altLang="ja-JP" dirty="0">
+                <a:solidFill>
+                  <a:schemeClr val="tx1"/>
+                </a:solidFill>
+              </a:rPr>
+              <a:t>Learner</a:t>
+            </a:r>
+          </a:p>
+          <a:p>
+            <a:pPr algn="ctr"/>
+            <a:r>
+              <a:rPr kumimoji="1" lang="en-US" altLang="ja-JP" dirty="0">
+                <a:solidFill>
+                  <a:schemeClr val="tx1"/>
+                </a:solidFill>
+              </a:rPr>
+              <a:t>community</a:t>
+            </a:r>
+            <a:endParaRPr kumimoji="1" lang="ja-JP" altLang="en-US" dirty="0">
+              <a:solidFill>
+                <a:schemeClr val="tx1"/>
+              </a:solidFill>
+            </a:endParaRPr>
+          </a:p>
+        </p:txBody>
+      </p:sp>
+    </p:spTree>
+    <p:extLst>
+      <p:ext uri="{BB962C8B-B14F-4D97-AF65-F5344CB8AC3E}">
+        <p14:creationId xmlns:p14="http://schemas.microsoft.com/office/powerpoint/2010/main" val="1046787911"/>
+      </p:ext>
+    </p:extLst>
+  </p:cSld>
+  <p:clrMapOvr>
+    <a:masterClrMapping/>
+  </p:clrMapOvr>
+</p:sld>
+</file>
+
+<file path=ppt/slides/slide2.xml><?xml version="1.0" encoding="utf-8"?>
+<p:sld xmlns:a="http://schemas.openxmlformats.org/drawingml/2006/main" xmlns:r="http://schemas.openxmlformats.org/officeDocument/2006/relationships" xmlns:p="http://schemas.openxmlformats.org/presentationml/2006/main">
+  <p:cSld>
+    <p:spTree>
+      <p:nvGrpSpPr>
+        <p:cNvPr id="1" name=""/>
+        <p:cNvGrpSpPr/>
+        <p:nvPr/>
+      </p:nvGrpSpPr>
+      <p:grpSpPr>
+        <a:xfrm>
+          <a:off x="0" y="0"/>
+          <a:ext cx="0" cy="0"/>
+          <a:chOff x="0" y="0"/>
+          <a:chExt cx="0" cy="0"/>
+        </a:xfrm>
+      </p:grpSpPr>
       <p:grpSp>
         <p:nvGrpSpPr>
           <p:cNvPr id="41" name="Group 40">
@@ -3878,7 +4238,7 @@
         <p:spPr>
           <a:xfrm>
             <a:off x="85716" y="12802"/>
-            <a:ext cx="1757747" cy="410887"/>
+            <a:ext cx="3267084" cy="410887"/>
           </a:xfrm>
           <a:prstGeom prst="rect">
             <a:avLst/>
@@ -3912,7 +4272,7 @@
           <a:p>
             <a:r>
               <a:rPr lang="en-US" altLang="ja-JP" sz="2544" b="1" dirty="0"/>
-              <a:t>Concept</a:t>
+              <a:t>Online English lesson</a:t>
             </a:r>
           </a:p>
         </p:txBody>
@@ -3930,7 +4290,7 @@
 </p:sld>
 </file>
 
-<file path=ppt/slides/slide2.xml><?xml version="1.0" encoding="utf-8"?>
+<file path=ppt/slides/slide3.xml><?xml version="1.0" encoding="utf-8"?>
 <p:sld xmlns:a="http://schemas.openxmlformats.org/drawingml/2006/main" xmlns:r="http://schemas.openxmlformats.org/officeDocument/2006/relationships" xmlns:p="http://schemas.openxmlformats.org/presentationml/2006/main">
   <p:cSld>
     <p:spTree>
@@ -4329,7 +4689,7 @@
 </p:sld>
 </file>
 
-<file path=ppt/slides/slide3.xml><?xml version="1.0" encoding="utf-8"?>
+<file path=ppt/slides/slide4.xml><?xml version="1.0" encoding="utf-8"?>
 <p:sld xmlns:a="http://schemas.openxmlformats.org/drawingml/2006/main" xmlns:r="http://schemas.openxmlformats.org/officeDocument/2006/relationships" xmlns:p="http://schemas.openxmlformats.org/presentationml/2006/main">
   <p:cSld>
     <p:spTree>
@@ -4966,512 +5326,6 @@
     <p:extLst>
       <p:ext uri="{BB962C8B-B14F-4D97-AF65-F5344CB8AC3E}">
         <p14:creationId xmlns:p14="http://schemas.microsoft.com/office/powerpoint/2010/main" val="913634301"/>
-      </p:ext>
-    </p:extLst>
-  </p:cSld>
-  <p:clrMapOvr>
-    <a:masterClrMapping/>
-  </p:clrMapOvr>
-</p:sld>
-</file>
-
-<file path=ppt/slides/slide4.xml><?xml version="1.0" encoding="utf-8"?>
-<p:sld xmlns:a="http://schemas.openxmlformats.org/drawingml/2006/main" xmlns:r="http://schemas.openxmlformats.org/officeDocument/2006/relationships" xmlns:p="http://schemas.openxmlformats.org/presentationml/2006/main">
-  <p:cSld>
-    <p:spTree>
-      <p:nvGrpSpPr>
-        <p:cNvPr id="1" name=""/>
-        <p:cNvGrpSpPr/>
-        <p:nvPr/>
-      </p:nvGrpSpPr>
-      <p:grpSpPr>
-        <a:xfrm>
-          <a:off x="0" y="0"/>
-          <a:ext cx="0" cy="0"/>
-          <a:chOff x="0" y="0"/>
-          <a:chExt cx="0" cy="0"/>
-        </a:xfrm>
-      </p:grpSpPr>
-      <p:sp>
-        <p:nvSpPr>
-          <p:cNvPr id="25" name="Rectangle 24">
-            <a:extLst>
-              <a:ext uri="{FF2B5EF4-FFF2-40B4-BE49-F238E27FC236}">
-                <a16:creationId xmlns:a16="http://schemas.microsoft.com/office/drawing/2014/main" id="{D17CE070-D4F6-4657-AB23-BD45103A64AC}"/>
-              </a:ext>
-            </a:extLst>
-          </p:cNvPr>
-          <p:cNvSpPr/>
-          <p:nvPr/>
-        </p:nvSpPr>
-        <p:spPr>
-          <a:xfrm>
-            <a:off x="332749" y="351398"/>
-            <a:ext cx="5225882" cy="1051377"/>
-          </a:xfrm>
-          <a:prstGeom prst="rect">
-            <a:avLst/>
-          </a:prstGeom>
-          <a:solidFill>
-            <a:schemeClr val="bg1"/>
-          </a:solidFill>
-          <a:ln>
-            <a:solidFill>
-              <a:schemeClr val="bg1"/>
-            </a:solidFill>
-          </a:ln>
-        </p:spPr>
-        <p:style>
-          <a:lnRef idx="2">
-            <a:schemeClr val="dk1"/>
-          </a:lnRef>
-          <a:fillRef idx="1">
-            <a:schemeClr val="lt1"/>
-          </a:fillRef>
-          <a:effectRef idx="0">
-            <a:schemeClr val="dk1"/>
-          </a:effectRef>
-          <a:fontRef idx="minor">
-            <a:schemeClr val="dk1"/>
-          </a:fontRef>
-        </p:style>
-        <p:txBody>
-          <a:bodyPr rtlCol="0" anchor="ctr"/>
-          <a:lstStyle/>
-          <a:p>
-            <a:endParaRPr lang="en-US" altLang="ja-JP" sz="2120" b="1" dirty="0"/>
-          </a:p>
-        </p:txBody>
-      </p:sp>
-      <p:sp>
-        <p:nvSpPr>
-          <p:cNvPr id="36" name="Rectangle 35">
-            <a:extLst>
-              <a:ext uri="{FF2B5EF4-FFF2-40B4-BE49-F238E27FC236}">
-                <a16:creationId xmlns:a16="http://schemas.microsoft.com/office/drawing/2014/main" id="{3A6BDD62-910F-4A5D-B7BA-297AF1B1FF4C}"/>
-              </a:ext>
-            </a:extLst>
-          </p:cNvPr>
-          <p:cNvSpPr/>
-          <p:nvPr/>
-        </p:nvSpPr>
-        <p:spPr>
-          <a:xfrm>
-            <a:off x="85715" y="12802"/>
-            <a:ext cx="4865765" cy="410887"/>
-          </a:xfrm>
-          <a:prstGeom prst="rect">
-            <a:avLst/>
-          </a:prstGeom>
-          <a:solidFill>
-            <a:schemeClr val="bg1"/>
-          </a:solidFill>
-          <a:ln>
-            <a:solidFill>
-              <a:schemeClr val="bg1"/>
-            </a:solidFill>
-          </a:ln>
-        </p:spPr>
-        <p:style>
-          <a:lnRef idx="2">
-            <a:schemeClr val="dk1"/>
-          </a:lnRef>
-          <a:fillRef idx="1">
-            <a:schemeClr val="lt1"/>
-          </a:fillRef>
-          <a:effectRef idx="0">
-            <a:schemeClr val="dk1"/>
-          </a:effectRef>
-          <a:fontRef idx="minor">
-            <a:schemeClr val="dk1"/>
-          </a:fontRef>
-        </p:style>
-        <p:txBody>
-          <a:bodyPr rtlCol="0" anchor="ctr"/>
-          <a:lstStyle/>
-          <a:p>
-            <a:r>
-              <a:rPr lang="en-US" altLang="ja-JP" sz="2544" b="1" dirty="0"/>
-              <a:t>Learner-Employed Filipino teacher</a:t>
-            </a:r>
-          </a:p>
-        </p:txBody>
-      </p:sp>
-      <p:pic>
-        <p:nvPicPr>
-          <p:cNvPr id="45" name="Picture 44">
-            <a:extLst>
-              <a:ext uri="{FF2B5EF4-FFF2-40B4-BE49-F238E27FC236}">
-                <a16:creationId xmlns:a16="http://schemas.microsoft.com/office/drawing/2014/main" id="{6B8E18A8-1D39-4DEB-A73E-B5EBEB77D7C0}"/>
-              </a:ext>
-            </a:extLst>
-          </p:cNvPr>
-          <p:cNvPicPr>
-            <a:picLocks noChangeAspect="1"/>
-          </p:cNvPicPr>
-          <p:nvPr/>
-        </p:nvPicPr>
-        <p:blipFill rotWithShape="1">
-          <a:blip r:embed="rId2"/>
-          <a:srcRect l="8107" r="16440"/>
-          <a:stretch/>
-        </p:blipFill>
-        <p:spPr>
-          <a:xfrm>
-            <a:off x="362486" y="3369685"/>
-            <a:ext cx="966165" cy="1103855"/>
-          </a:xfrm>
-          <a:prstGeom prst="rect">
-            <a:avLst/>
-          </a:prstGeom>
-        </p:spPr>
-      </p:pic>
-      <p:sp>
-        <p:nvSpPr>
-          <p:cNvPr id="46" name="Rectangle 45">
-            <a:extLst>
-              <a:ext uri="{FF2B5EF4-FFF2-40B4-BE49-F238E27FC236}">
-                <a16:creationId xmlns:a16="http://schemas.microsoft.com/office/drawing/2014/main" id="{9D5341B4-679F-413C-A3EB-DAF3611571AB}"/>
-              </a:ext>
-            </a:extLst>
-          </p:cNvPr>
-          <p:cNvSpPr/>
-          <p:nvPr/>
-        </p:nvSpPr>
-        <p:spPr>
-          <a:xfrm>
-            <a:off x="359515" y="4524358"/>
-            <a:ext cx="969136" cy="346799"/>
-          </a:xfrm>
-          <a:prstGeom prst="rect">
-            <a:avLst/>
-          </a:prstGeom>
-          <a:solidFill>
-            <a:schemeClr val="bg1"/>
-          </a:solidFill>
-          <a:ln>
-            <a:solidFill>
-              <a:schemeClr val="bg1"/>
-            </a:solidFill>
-          </a:ln>
-        </p:spPr>
-        <p:style>
-          <a:lnRef idx="2">
-            <a:schemeClr val="dk1"/>
-          </a:lnRef>
-          <a:fillRef idx="1">
-            <a:schemeClr val="lt1"/>
-          </a:fillRef>
-          <a:effectRef idx="0">
-            <a:schemeClr val="dk1"/>
-          </a:effectRef>
-          <a:fontRef idx="minor">
-            <a:schemeClr val="dk1"/>
-          </a:fontRef>
-        </p:style>
-        <p:txBody>
-          <a:bodyPr rtlCol="0" anchor="ctr"/>
-          <a:lstStyle/>
-          <a:p>
-            <a:pPr algn="ctr"/>
-            <a:r>
-              <a:rPr lang="en-US" altLang="ja-JP" sz="1484" dirty="0"/>
-              <a:t>Learner</a:t>
-            </a:r>
-            <a:endParaRPr lang="ja-JP" altLang="en-US" sz="1484" dirty="0"/>
-          </a:p>
-        </p:txBody>
-      </p:sp>
-      <p:sp>
-        <p:nvSpPr>
-          <p:cNvPr id="47" name="Rectangle 46">
-            <a:extLst>
-              <a:ext uri="{FF2B5EF4-FFF2-40B4-BE49-F238E27FC236}">
-                <a16:creationId xmlns:a16="http://schemas.microsoft.com/office/drawing/2014/main" id="{15187459-E755-41DE-BE7E-D2F661F0E2AD}"/>
-              </a:ext>
-            </a:extLst>
-          </p:cNvPr>
-          <p:cNvSpPr/>
-          <p:nvPr/>
-        </p:nvSpPr>
-        <p:spPr>
-          <a:xfrm>
-            <a:off x="4835888" y="4398776"/>
-            <a:ext cx="1556490" cy="472547"/>
-          </a:xfrm>
-          <a:prstGeom prst="rect">
-            <a:avLst/>
-          </a:prstGeom>
-          <a:solidFill>
-            <a:schemeClr val="bg1"/>
-          </a:solidFill>
-          <a:ln>
-            <a:solidFill>
-              <a:schemeClr val="bg1"/>
-            </a:solidFill>
-          </a:ln>
-        </p:spPr>
-        <p:style>
-          <a:lnRef idx="2">
-            <a:schemeClr val="dk1"/>
-          </a:lnRef>
-          <a:fillRef idx="1">
-            <a:schemeClr val="lt1"/>
-          </a:fillRef>
-          <a:effectRef idx="0">
-            <a:schemeClr val="dk1"/>
-          </a:effectRef>
-          <a:fontRef idx="minor">
-            <a:schemeClr val="dk1"/>
-          </a:fontRef>
-        </p:style>
-        <p:txBody>
-          <a:bodyPr rtlCol="0" anchor="ctr"/>
-          <a:lstStyle/>
-          <a:p>
-            <a:pPr algn="ctr"/>
-            <a:r>
-              <a:rPr lang="en-US" altLang="ja-JP" sz="1484" dirty="0"/>
-              <a:t>Employed Filipino teacher</a:t>
-            </a:r>
-            <a:endParaRPr lang="ja-JP" altLang="en-US" sz="1484" dirty="0"/>
-          </a:p>
-        </p:txBody>
-      </p:sp>
-      <p:pic>
-        <p:nvPicPr>
-          <p:cNvPr id="48" name="Picture 47">
-            <a:extLst>
-              <a:ext uri="{FF2B5EF4-FFF2-40B4-BE49-F238E27FC236}">
-                <a16:creationId xmlns:a16="http://schemas.microsoft.com/office/drawing/2014/main" id="{D6E41700-43A1-4FE4-8039-AD5717323B75}"/>
-              </a:ext>
-            </a:extLst>
-          </p:cNvPr>
-          <p:cNvPicPr>
-            <a:picLocks noChangeAspect="1"/>
-          </p:cNvPicPr>
-          <p:nvPr/>
-        </p:nvPicPr>
-        <p:blipFill>
-          <a:blip r:embed="rId3"/>
-          <a:stretch>
-            <a:fillRect/>
-          </a:stretch>
-        </p:blipFill>
-        <p:spPr>
-          <a:xfrm>
-            <a:off x="5329974" y="3258274"/>
-            <a:ext cx="982647" cy="1063413"/>
-          </a:xfrm>
-          <a:prstGeom prst="rect">
-            <a:avLst/>
-          </a:prstGeom>
-        </p:spPr>
-      </p:pic>
-      <p:sp>
-        <p:nvSpPr>
-          <p:cNvPr id="2" name="Arrow: Curved Down 1">
-            <a:extLst>
-              <a:ext uri="{FF2B5EF4-FFF2-40B4-BE49-F238E27FC236}">
-                <a16:creationId xmlns:a16="http://schemas.microsoft.com/office/drawing/2014/main" id="{03B26CFD-3D76-449D-857C-CC99E948DE84}"/>
-              </a:ext>
-            </a:extLst>
-          </p:cNvPr>
-          <p:cNvSpPr/>
-          <p:nvPr/>
-        </p:nvSpPr>
-        <p:spPr>
-          <a:xfrm>
-            <a:off x="892813" y="2237245"/>
-            <a:ext cx="4748877" cy="940222"/>
-          </a:xfrm>
-          <a:prstGeom prst="curvedDownArrow">
-            <a:avLst/>
-          </a:prstGeom>
-        </p:spPr>
-        <p:style>
-          <a:lnRef idx="1">
-            <a:schemeClr val="accent4"/>
-          </a:lnRef>
-          <a:fillRef idx="2">
-            <a:schemeClr val="accent4"/>
-          </a:fillRef>
-          <a:effectRef idx="1">
-            <a:schemeClr val="accent4"/>
-          </a:effectRef>
-          <a:fontRef idx="minor">
-            <a:schemeClr val="dk1"/>
-          </a:fontRef>
-        </p:style>
-        <p:txBody>
-          <a:bodyPr rtlCol="0" anchor="ctr"/>
-          <a:lstStyle/>
-          <a:p>
-            <a:pPr algn="ctr"/>
-            <a:endParaRPr lang="ja-JP" altLang="en-US" sz="1908">
-              <a:solidFill>
-                <a:schemeClr val="dk1"/>
-              </a:solidFill>
-            </a:endParaRPr>
-          </a:p>
-        </p:txBody>
-      </p:sp>
-      <p:sp>
-        <p:nvSpPr>
-          <p:cNvPr id="50" name="Arrow: Curved Down 49">
-            <a:extLst>
-              <a:ext uri="{FF2B5EF4-FFF2-40B4-BE49-F238E27FC236}">
-                <a16:creationId xmlns:a16="http://schemas.microsoft.com/office/drawing/2014/main" id="{A9D5B925-B641-4099-BD5C-B39E2DFBADD5}"/>
-              </a:ext>
-            </a:extLst>
-          </p:cNvPr>
-          <p:cNvSpPr/>
-          <p:nvPr/>
-        </p:nvSpPr>
-        <p:spPr>
-          <a:xfrm rot="10800000">
-            <a:off x="871999" y="4964224"/>
-            <a:ext cx="4748876" cy="940222"/>
-          </a:xfrm>
-          <a:prstGeom prst="curvedDownArrow">
-            <a:avLst/>
-          </a:prstGeom>
-        </p:spPr>
-        <p:style>
-          <a:lnRef idx="1">
-            <a:schemeClr val="accent4"/>
-          </a:lnRef>
-          <a:fillRef idx="2">
-            <a:schemeClr val="accent4"/>
-          </a:fillRef>
-          <a:effectRef idx="1">
-            <a:schemeClr val="accent4"/>
-          </a:effectRef>
-          <a:fontRef idx="minor">
-            <a:schemeClr val="dk1"/>
-          </a:fontRef>
-        </p:style>
-        <p:txBody>
-          <a:bodyPr rtlCol="0" anchor="ctr"/>
-          <a:lstStyle/>
-          <a:p>
-            <a:pPr algn="ctr"/>
-            <a:endParaRPr lang="ja-JP" altLang="en-US" sz="1908">
-              <a:solidFill>
-                <a:schemeClr val="dk1"/>
-              </a:solidFill>
-            </a:endParaRPr>
-          </a:p>
-        </p:txBody>
-      </p:sp>
-      <p:pic>
-        <p:nvPicPr>
-          <p:cNvPr id="8" name="Picture 7">
-            <a:extLst>
-              <a:ext uri="{FF2B5EF4-FFF2-40B4-BE49-F238E27FC236}">
-                <a16:creationId xmlns:a16="http://schemas.microsoft.com/office/drawing/2014/main" id="{668E2952-A652-4F6B-908C-CBAFFB82D658}"/>
-              </a:ext>
-            </a:extLst>
-          </p:cNvPr>
-          <p:cNvPicPr>
-            <a:picLocks noChangeAspect="1"/>
-          </p:cNvPicPr>
-          <p:nvPr/>
-        </p:nvPicPr>
-        <p:blipFill rotWithShape="1">
-          <a:blip r:embed="rId4"/>
-          <a:srcRect r="10420"/>
-          <a:stretch/>
-        </p:blipFill>
-        <p:spPr>
-          <a:xfrm>
-            <a:off x="2918487" y="686246"/>
-            <a:ext cx="655899" cy="867793"/>
-          </a:xfrm>
-          <a:prstGeom prst="rect">
-            <a:avLst/>
-          </a:prstGeom>
-        </p:spPr>
-      </p:pic>
-      <p:sp>
-        <p:nvSpPr>
-          <p:cNvPr id="52" name="Rectangle 51">
-            <a:extLst>
-              <a:ext uri="{FF2B5EF4-FFF2-40B4-BE49-F238E27FC236}">
-                <a16:creationId xmlns:a16="http://schemas.microsoft.com/office/drawing/2014/main" id="{FA800B1B-F50E-4DC7-BD8D-CC7EF9E93539}"/>
-              </a:ext>
-            </a:extLst>
-          </p:cNvPr>
-          <p:cNvSpPr/>
-          <p:nvPr/>
-        </p:nvSpPr>
-        <p:spPr>
-          <a:xfrm>
-            <a:off x="1627021" y="6061718"/>
-            <a:ext cx="3352249" cy="721182"/>
-          </a:xfrm>
-          <a:prstGeom prst="rect">
-            <a:avLst/>
-          </a:prstGeom>
-          <a:solidFill>
-            <a:schemeClr val="bg1"/>
-          </a:solidFill>
-          <a:ln>
-            <a:solidFill>
-              <a:schemeClr val="bg1"/>
-            </a:solidFill>
-          </a:ln>
-        </p:spPr>
-        <p:style>
-          <a:lnRef idx="2">
-            <a:schemeClr val="dk1"/>
-          </a:lnRef>
-          <a:fillRef idx="1">
-            <a:schemeClr val="lt1"/>
-          </a:fillRef>
-          <a:effectRef idx="0">
-            <a:schemeClr val="dk1"/>
-          </a:effectRef>
-          <a:fontRef idx="minor">
-            <a:schemeClr val="dk1"/>
-          </a:fontRef>
-        </p:style>
-        <p:txBody>
-          <a:bodyPr rtlCol="0" anchor="ctr"/>
-          <a:lstStyle/>
-          <a:p>
-            <a:r>
-              <a:rPr lang="en-US" altLang="ja-JP" sz="1484" dirty="0"/>
-              <a:t>Can request but</a:t>
-            </a:r>
-          </a:p>
-          <a:p>
-            <a:pPr marL="285750" indent="-285750">
-              <a:buFont typeface="Arial" panose="020B0604020202020204" pitchFamily="34" charset="0"/>
-              <a:buChar char="•"/>
-            </a:pPr>
-            <a:r>
-              <a:rPr lang="en-US" altLang="ja-JP" sz="1484" dirty="0"/>
-              <a:t>Request time has limit</a:t>
-            </a:r>
-          </a:p>
-          <a:p>
-            <a:pPr marL="285750" indent="-285750">
-              <a:buFont typeface="Arial" panose="020B0604020202020204" pitchFamily="34" charset="0"/>
-              <a:buChar char="•"/>
-            </a:pPr>
-            <a:r>
-              <a:rPr lang="en-US" altLang="ja-JP" sz="1484" dirty="0"/>
-              <a:t>Higher wage, likely to need lessons</a:t>
-            </a:r>
-            <a:endParaRPr lang="ja-JP" altLang="en-US" sz="1484" dirty="0"/>
-          </a:p>
-        </p:txBody>
-      </p:sp>
-    </p:spTree>
-    <p:extLst>
-      <p:ext uri="{BB962C8B-B14F-4D97-AF65-F5344CB8AC3E}">
-        <p14:creationId xmlns:p14="http://schemas.microsoft.com/office/powerpoint/2010/main" val="3054113285"/>
       </p:ext>
     </p:extLst>
   </p:cSld>
@@ -5500,10 +5354,10 @@
       </p:grpSpPr>
       <p:sp>
         <p:nvSpPr>
-          <p:cNvPr id="21" name="Rectangle 20">
+          <p:cNvPr id="25" name="Rectangle 24">
             <a:extLst>
               <a:ext uri="{FF2B5EF4-FFF2-40B4-BE49-F238E27FC236}">
-                <a16:creationId xmlns:a16="http://schemas.microsoft.com/office/drawing/2014/main" id="{084DEB79-1A12-4920-931B-22125681A7EA}"/>
+                <a16:creationId xmlns:a16="http://schemas.microsoft.com/office/drawing/2014/main" id="{D17CE070-D4F6-4657-AB23-BD45103A64AC}"/>
               </a:ext>
             </a:extLst>
           </p:cNvPr>
@@ -5512,8 +5366,8 @@
         </p:nvSpPr>
         <p:spPr>
           <a:xfrm>
-            <a:off x="315559" y="351401"/>
-            <a:ext cx="3531046" cy="631008"/>
+            <a:off x="332749" y="351398"/>
+            <a:ext cx="5225882" cy="1051377"/>
           </a:xfrm>
           <a:prstGeom prst="rect">
             <a:avLst/>
@@ -5545,19 +5399,16 @@
           <a:bodyPr rtlCol="0" anchor="ctr"/>
           <a:lstStyle/>
           <a:p>
-            <a:r>
-              <a:rPr lang="en-US" altLang="ja-JP" sz="2120" b="1" dirty="0"/>
-              <a:t>All you need to pay </a:t>
-            </a:r>
-          </a:p>
-        </p:txBody>
-      </p:sp>
-      <p:sp>
-        <p:nvSpPr>
-          <p:cNvPr id="22" name="Rectangle 21">
+            <a:endParaRPr lang="en-US" altLang="ja-JP" sz="2120" b="1" dirty="0"/>
+          </a:p>
+        </p:txBody>
+      </p:sp>
+      <p:sp>
+        <p:nvSpPr>
+          <p:cNvPr id="36" name="Rectangle 35">
             <a:extLst>
               <a:ext uri="{FF2B5EF4-FFF2-40B4-BE49-F238E27FC236}">
-                <a16:creationId xmlns:a16="http://schemas.microsoft.com/office/drawing/2014/main" id="{DD2C5545-46A7-4DC7-8D51-7756F9887475}"/>
+                <a16:creationId xmlns:a16="http://schemas.microsoft.com/office/drawing/2014/main" id="{3A6BDD62-910F-4A5D-B7BA-297AF1B1FF4C}"/>
               </a:ext>
             </a:extLst>
           </p:cNvPr>
@@ -5566,8 +5417,8 @@
         </p:nvSpPr>
         <p:spPr>
           <a:xfrm>
-            <a:off x="114703" y="12802"/>
-            <a:ext cx="2318324" cy="410887"/>
+            <a:off x="85715" y="12802"/>
+            <a:ext cx="4865765" cy="410887"/>
           </a:xfrm>
           <a:prstGeom prst="rect">
             <a:avLst/>
@@ -5601,17 +5452,46 @@
           <a:p>
             <a:r>
               <a:rPr lang="en-US" altLang="ja-JP" sz="2544" b="1" dirty="0"/>
-              <a:t>Cost(Learner)</a:t>
-            </a:r>
-          </a:p>
-        </p:txBody>
-      </p:sp>
-      <p:sp>
-        <p:nvSpPr>
-          <p:cNvPr id="2" name="Rectangle 1">
+              <a:t>Learner-Employed Filipino teacher</a:t>
+            </a:r>
+          </a:p>
+        </p:txBody>
+      </p:sp>
+      <p:pic>
+        <p:nvPicPr>
+          <p:cNvPr id="45" name="Picture 44">
             <a:extLst>
               <a:ext uri="{FF2B5EF4-FFF2-40B4-BE49-F238E27FC236}">
-                <a16:creationId xmlns:a16="http://schemas.microsoft.com/office/drawing/2014/main" id="{FF933B7C-51D7-4165-86AB-49F12F46E42E}"/>
+                <a16:creationId xmlns:a16="http://schemas.microsoft.com/office/drawing/2014/main" id="{6B8E18A8-1D39-4DEB-A73E-B5EBEB77D7C0}"/>
+              </a:ext>
+            </a:extLst>
+          </p:cNvPr>
+          <p:cNvPicPr>
+            <a:picLocks noChangeAspect="1"/>
+          </p:cNvPicPr>
+          <p:nvPr/>
+        </p:nvPicPr>
+        <p:blipFill rotWithShape="1">
+          <a:blip r:embed="rId2"/>
+          <a:srcRect l="8107" r="16440"/>
+          <a:stretch/>
+        </p:blipFill>
+        <p:spPr>
+          <a:xfrm>
+            <a:off x="362486" y="3369685"/>
+            <a:ext cx="966165" cy="1103855"/>
+          </a:xfrm>
+          <a:prstGeom prst="rect">
+            <a:avLst/>
+          </a:prstGeom>
+        </p:spPr>
+      </p:pic>
+      <p:sp>
+        <p:nvSpPr>
+          <p:cNvPr id="46" name="Rectangle 45">
+            <a:extLst>
+              <a:ext uri="{FF2B5EF4-FFF2-40B4-BE49-F238E27FC236}">
+                <a16:creationId xmlns:a16="http://schemas.microsoft.com/office/drawing/2014/main" id="{9D5341B4-679F-413C-A3EB-DAF3611571AB}"/>
               </a:ext>
             </a:extLst>
           </p:cNvPr>
@@ -5620,668 +5500,8 @@
         </p:nvSpPr>
         <p:spPr>
           <a:xfrm>
-            <a:off x="114702" y="2120146"/>
-            <a:ext cx="1831667" cy="1007901"/>
-          </a:xfrm>
-          <a:prstGeom prst="rect">
-            <a:avLst/>
-          </a:prstGeom>
-          <a:solidFill>
-            <a:srgbClr val="ED6F11"/>
-          </a:solidFill>
-          <a:ln>
-            <a:noFill/>
-          </a:ln>
-        </p:spPr>
-        <p:style>
-          <a:lnRef idx="1">
-            <a:schemeClr val="dk1"/>
-          </a:lnRef>
-          <a:fillRef idx="2">
-            <a:schemeClr val="dk1"/>
-          </a:fillRef>
-          <a:effectRef idx="1">
-            <a:schemeClr val="dk1"/>
-          </a:effectRef>
-          <a:fontRef idx="minor">
-            <a:schemeClr val="dk1"/>
-          </a:fontRef>
-        </p:style>
-        <p:txBody>
-          <a:bodyPr rtlCol="0" anchor="ctr"/>
-          <a:lstStyle/>
-          <a:p>
-            <a:pPr algn="ctr"/>
-            <a:r>
-              <a:rPr lang="en-US" altLang="ja-JP" sz="1696" b="1" dirty="0">
-                <a:solidFill>
-                  <a:schemeClr val="bg1"/>
-                </a:solidFill>
-              </a:rPr>
-              <a:t>Learner-Learner</a:t>
-            </a:r>
-            <a:endParaRPr lang="ja-JP" altLang="en-US" sz="1696" b="1" dirty="0">
-              <a:solidFill>
-                <a:schemeClr val="bg1"/>
-              </a:solidFill>
-            </a:endParaRPr>
-          </a:p>
-        </p:txBody>
-      </p:sp>
-      <p:sp>
-        <p:nvSpPr>
-          <p:cNvPr id="28" name="Rectangle 27">
-            <a:extLst>
-              <a:ext uri="{FF2B5EF4-FFF2-40B4-BE49-F238E27FC236}">
-                <a16:creationId xmlns:a16="http://schemas.microsoft.com/office/drawing/2014/main" id="{92751BBB-2EE5-4018-BDAB-DA372BCF28A7}"/>
-              </a:ext>
-            </a:extLst>
-          </p:cNvPr>
-          <p:cNvSpPr/>
-          <p:nvPr/>
-        </p:nvSpPr>
-        <p:spPr>
-          <a:xfrm>
-            <a:off x="114702" y="4493983"/>
-            <a:ext cx="1831667" cy="1007901"/>
-          </a:xfrm>
-          <a:prstGeom prst="rect">
-            <a:avLst/>
-          </a:prstGeom>
-          <a:solidFill>
-            <a:srgbClr val="ED6F11"/>
-          </a:solidFill>
-          <a:ln>
-            <a:noFill/>
-          </a:ln>
-        </p:spPr>
-        <p:style>
-          <a:lnRef idx="1">
-            <a:schemeClr val="dk1"/>
-          </a:lnRef>
-          <a:fillRef idx="2">
-            <a:schemeClr val="dk1"/>
-          </a:fillRef>
-          <a:effectRef idx="1">
-            <a:schemeClr val="dk1"/>
-          </a:effectRef>
-          <a:fontRef idx="minor">
-            <a:schemeClr val="dk1"/>
-          </a:fontRef>
-        </p:style>
-        <p:txBody>
-          <a:bodyPr rtlCol="0" anchor="ctr"/>
-          <a:lstStyle/>
-          <a:p>
-            <a:pPr algn="ctr"/>
-            <a:r>
-              <a:rPr lang="en-US" altLang="ja-JP" sz="1696" b="1" dirty="0">
-                <a:solidFill>
-                  <a:schemeClr val="bg1"/>
-                </a:solidFill>
-              </a:rPr>
-              <a:t>Learner-</a:t>
-            </a:r>
-          </a:p>
-          <a:p>
-            <a:pPr algn="ctr"/>
-            <a:r>
-              <a:rPr lang="en-US" altLang="ja-JP" sz="1696" b="1" dirty="0">
-                <a:solidFill>
-                  <a:schemeClr val="bg1"/>
-                </a:solidFill>
-              </a:rPr>
-              <a:t>Freelance teacher</a:t>
-            </a:r>
-            <a:endParaRPr lang="ja-JP" altLang="en-US" sz="1696" b="1" dirty="0">
-              <a:solidFill>
-                <a:schemeClr val="bg1"/>
-              </a:solidFill>
-            </a:endParaRPr>
-          </a:p>
-        </p:txBody>
-      </p:sp>
-      <p:sp>
-        <p:nvSpPr>
-          <p:cNvPr id="41" name="Rectangle 40">
-            <a:extLst>
-              <a:ext uri="{FF2B5EF4-FFF2-40B4-BE49-F238E27FC236}">
-                <a16:creationId xmlns:a16="http://schemas.microsoft.com/office/drawing/2014/main" id="{EF423585-0380-4399-BC0E-572685A7F0C7}"/>
-              </a:ext>
-            </a:extLst>
-          </p:cNvPr>
-          <p:cNvSpPr/>
-          <p:nvPr/>
-        </p:nvSpPr>
-        <p:spPr>
-          <a:xfrm>
-            <a:off x="2048678" y="2120146"/>
-            <a:ext cx="2111752" cy="1007901"/>
-          </a:xfrm>
-          <a:prstGeom prst="rect">
-            <a:avLst/>
-          </a:prstGeom>
-          <a:noFill/>
-          <a:ln>
-            <a:solidFill>
-              <a:schemeClr val="tx1">
-                <a:lumMod val="95000"/>
-                <a:lumOff val="5000"/>
-              </a:schemeClr>
-            </a:solidFill>
-          </a:ln>
-        </p:spPr>
-        <p:style>
-          <a:lnRef idx="1">
-            <a:schemeClr val="dk1"/>
-          </a:lnRef>
-          <a:fillRef idx="2">
-            <a:schemeClr val="dk1"/>
-          </a:fillRef>
-          <a:effectRef idx="1">
-            <a:schemeClr val="dk1"/>
-          </a:effectRef>
-          <a:fontRef idx="minor">
-            <a:schemeClr val="dk1"/>
-          </a:fontRef>
-        </p:style>
-        <p:txBody>
-          <a:bodyPr rtlCol="0" anchor="ctr"/>
-          <a:lstStyle/>
-          <a:p>
-            <a:pPr algn="ctr"/>
-            <a:r>
-              <a:rPr lang="en-US" altLang="ja-JP" sz="1484" dirty="0">
-                <a:solidFill>
-                  <a:schemeClr val="tx1">
-                    <a:lumMod val="95000"/>
-                    <a:lumOff val="5000"/>
-                  </a:schemeClr>
-                </a:solidFill>
-              </a:rPr>
-              <a:t>Free</a:t>
-            </a:r>
-            <a:endParaRPr lang="ja-JP" altLang="en-US" sz="1484" dirty="0">
-              <a:solidFill>
-                <a:schemeClr val="tx1">
-                  <a:lumMod val="95000"/>
-                  <a:lumOff val="5000"/>
-                </a:schemeClr>
-              </a:solidFill>
-            </a:endParaRPr>
-          </a:p>
-        </p:txBody>
-      </p:sp>
-      <p:sp>
-        <p:nvSpPr>
-          <p:cNvPr id="42" name="Rectangle 41">
-            <a:extLst>
-              <a:ext uri="{FF2B5EF4-FFF2-40B4-BE49-F238E27FC236}">
-                <a16:creationId xmlns:a16="http://schemas.microsoft.com/office/drawing/2014/main" id="{D96EFACF-46F6-4BAA-86B8-7BF7A50F0FFA}"/>
-              </a:ext>
-            </a:extLst>
-          </p:cNvPr>
-          <p:cNvSpPr/>
-          <p:nvPr/>
-        </p:nvSpPr>
-        <p:spPr>
-          <a:xfrm>
-            <a:off x="2048678" y="4493983"/>
-            <a:ext cx="2111752" cy="1007901"/>
-          </a:xfrm>
-          <a:prstGeom prst="rect">
-            <a:avLst/>
-          </a:prstGeom>
-          <a:noFill/>
-          <a:ln>
-            <a:solidFill>
-              <a:schemeClr val="tx1">
-                <a:lumMod val="95000"/>
-                <a:lumOff val="5000"/>
-              </a:schemeClr>
-            </a:solidFill>
-          </a:ln>
-        </p:spPr>
-        <p:style>
-          <a:lnRef idx="1">
-            <a:schemeClr val="dk1"/>
-          </a:lnRef>
-          <a:fillRef idx="2">
-            <a:schemeClr val="dk1"/>
-          </a:fillRef>
-          <a:effectRef idx="1">
-            <a:schemeClr val="dk1"/>
-          </a:effectRef>
-          <a:fontRef idx="minor">
-            <a:schemeClr val="dk1"/>
-          </a:fontRef>
-        </p:style>
-        <p:txBody>
-          <a:bodyPr rtlCol="0" anchor="ctr"/>
-          <a:lstStyle/>
-          <a:p>
-            <a:pPr algn="ctr"/>
-            <a:r>
-              <a:rPr lang="en-US" altLang="ja-JP" sz="1484" dirty="0">
-                <a:solidFill>
-                  <a:schemeClr val="tx1">
-                    <a:lumMod val="95000"/>
-                    <a:lumOff val="5000"/>
-                  </a:schemeClr>
-                </a:solidFill>
-              </a:rPr>
-              <a:t>Depends on the teacher</a:t>
-            </a:r>
-            <a:endParaRPr lang="ja-JP" altLang="en-US" sz="1484" dirty="0">
-              <a:solidFill>
-                <a:schemeClr val="tx1">
-                  <a:lumMod val="95000"/>
-                  <a:lumOff val="5000"/>
-                </a:schemeClr>
-              </a:solidFill>
-            </a:endParaRPr>
-          </a:p>
-        </p:txBody>
-      </p:sp>
-      <p:sp>
-        <p:nvSpPr>
-          <p:cNvPr id="44" name="Rectangle 43">
-            <a:extLst>
-              <a:ext uri="{FF2B5EF4-FFF2-40B4-BE49-F238E27FC236}">
-                <a16:creationId xmlns:a16="http://schemas.microsoft.com/office/drawing/2014/main" id="{4A0B7D85-24D6-480C-863D-2E3AD1DD264A}"/>
-              </a:ext>
-            </a:extLst>
-          </p:cNvPr>
-          <p:cNvSpPr/>
-          <p:nvPr/>
-        </p:nvSpPr>
-        <p:spPr>
-          <a:xfrm>
-            <a:off x="114702" y="1755116"/>
-            <a:ext cx="1828134" cy="352309"/>
-          </a:xfrm>
-          <a:prstGeom prst="rect">
-            <a:avLst/>
-          </a:prstGeom>
-          <a:noFill/>
-          <a:ln>
-            <a:noFill/>
-          </a:ln>
-        </p:spPr>
-        <p:style>
-          <a:lnRef idx="1">
-            <a:schemeClr val="dk1"/>
-          </a:lnRef>
-          <a:fillRef idx="2">
-            <a:schemeClr val="dk1"/>
-          </a:fillRef>
-          <a:effectRef idx="1">
-            <a:schemeClr val="dk1"/>
-          </a:effectRef>
-          <a:fontRef idx="minor">
-            <a:schemeClr val="dk1"/>
-          </a:fontRef>
-        </p:style>
-        <p:txBody>
-          <a:bodyPr rtlCol="0" anchor="ctr"/>
-          <a:lstStyle/>
-          <a:p>
-            <a:pPr algn="ctr"/>
-            <a:r>
-              <a:rPr lang="en-US" altLang="ja-JP" sz="1696" b="1" u="sng" dirty="0">
-                <a:solidFill>
-                  <a:schemeClr val="tx1">
-                    <a:lumMod val="95000"/>
-                    <a:lumOff val="5000"/>
-                  </a:schemeClr>
-                </a:solidFill>
-              </a:rPr>
-              <a:t>Matching type</a:t>
-            </a:r>
-            <a:endParaRPr lang="ja-JP" altLang="en-US" sz="1696" b="1" u="sng" dirty="0">
-              <a:solidFill>
-                <a:schemeClr val="tx1">
-                  <a:lumMod val="95000"/>
-                  <a:lumOff val="5000"/>
-                </a:schemeClr>
-              </a:solidFill>
-            </a:endParaRPr>
-          </a:p>
-        </p:txBody>
-      </p:sp>
-      <p:sp>
-        <p:nvSpPr>
-          <p:cNvPr id="45" name="Rectangle 44">
-            <a:extLst>
-              <a:ext uri="{FF2B5EF4-FFF2-40B4-BE49-F238E27FC236}">
-                <a16:creationId xmlns:a16="http://schemas.microsoft.com/office/drawing/2014/main" id="{5E3BB31B-7141-4A31-AB20-9CFD1EF10E91}"/>
-              </a:ext>
-            </a:extLst>
-          </p:cNvPr>
-          <p:cNvSpPr/>
-          <p:nvPr/>
-        </p:nvSpPr>
-        <p:spPr>
-          <a:xfrm>
-            <a:off x="2048678" y="1755116"/>
-            <a:ext cx="2111752" cy="352309"/>
-          </a:xfrm>
-          <a:prstGeom prst="rect">
-            <a:avLst/>
-          </a:prstGeom>
-          <a:noFill/>
-          <a:ln>
-            <a:noFill/>
-          </a:ln>
-        </p:spPr>
-        <p:style>
-          <a:lnRef idx="1">
-            <a:schemeClr val="dk1"/>
-          </a:lnRef>
-          <a:fillRef idx="2">
-            <a:schemeClr val="dk1"/>
-          </a:fillRef>
-          <a:effectRef idx="1">
-            <a:schemeClr val="dk1"/>
-          </a:effectRef>
-          <a:fontRef idx="minor">
-            <a:schemeClr val="dk1"/>
-          </a:fontRef>
-        </p:style>
-        <p:txBody>
-          <a:bodyPr wrap="none" rtlCol="0" anchor="ctr"/>
-          <a:lstStyle/>
-          <a:p>
-            <a:pPr algn="ctr"/>
-            <a:r>
-              <a:rPr lang="en-US" altLang="ja-JP" sz="1696" b="1" u="sng" dirty="0">
-                <a:solidFill>
-                  <a:schemeClr val="tx1">
-                    <a:lumMod val="95000"/>
-                    <a:lumOff val="5000"/>
-                  </a:schemeClr>
-                </a:solidFill>
-              </a:rPr>
-              <a:t>Initial stage</a:t>
-            </a:r>
-            <a:endParaRPr lang="ja-JP" altLang="en-US" sz="1696" b="1" u="sng" dirty="0">
-              <a:solidFill>
-                <a:schemeClr val="tx1">
-                  <a:lumMod val="95000"/>
-                  <a:lumOff val="5000"/>
-                </a:schemeClr>
-              </a:solidFill>
-            </a:endParaRPr>
-          </a:p>
-        </p:txBody>
-      </p:sp>
-      <p:sp>
-        <p:nvSpPr>
-          <p:cNvPr id="46" name="Rectangle 45">
-            <a:extLst>
-              <a:ext uri="{FF2B5EF4-FFF2-40B4-BE49-F238E27FC236}">
-                <a16:creationId xmlns:a16="http://schemas.microsoft.com/office/drawing/2014/main" id="{C1E6C9AC-D3C0-473D-A220-A721488BA4F3}"/>
-              </a:ext>
-            </a:extLst>
-          </p:cNvPr>
-          <p:cNvSpPr/>
-          <p:nvPr/>
-        </p:nvSpPr>
-        <p:spPr>
-          <a:xfrm>
-            <a:off x="4266273" y="2120146"/>
-            <a:ext cx="2111752" cy="1007901"/>
-          </a:xfrm>
-          <a:prstGeom prst="rect">
-            <a:avLst/>
-          </a:prstGeom>
-          <a:noFill/>
-          <a:ln>
-            <a:solidFill>
-              <a:schemeClr val="tx1">
-                <a:lumMod val="95000"/>
-                <a:lumOff val="5000"/>
-              </a:schemeClr>
-            </a:solidFill>
-          </a:ln>
-        </p:spPr>
-        <p:style>
-          <a:lnRef idx="1">
-            <a:schemeClr val="dk1"/>
-          </a:lnRef>
-          <a:fillRef idx="2">
-            <a:schemeClr val="dk1"/>
-          </a:fillRef>
-          <a:effectRef idx="1">
-            <a:schemeClr val="dk1"/>
-          </a:effectRef>
-          <a:fontRef idx="minor">
-            <a:schemeClr val="dk1"/>
-          </a:fontRef>
-        </p:style>
-        <p:txBody>
-          <a:bodyPr rtlCol="0" anchor="ctr"/>
-          <a:lstStyle/>
-          <a:p>
-            <a:pPr defTabSz="848026">
-              <a:tabLst>
-                <a:tab pos="1155941" algn="l"/>
-              </a:tabLst>
-            </a:pPr>
-            <a:r>
-              <a:rPr lang="en-US" altLang="ja-JP" sz="1484" dirty="0">
-                <a:solidFill>
-                  <a:schemeClr val="tx1">
-                    <a:lumMod val="95000"/>
-                    <a:lumOff val="5000"/>
-                  </a:schemeClr>
-                </a:solidFill>
-              </a:rPr>
-              <a:t>Call for </a:t>
-            </a:r>
-          </a:p>
-          <a:p>
-            <a:pPr>
-              <a:tabLst>
-                <a:tab pos="1155941" algn="l"/>
-              </a:tabLst>
-            </a:pPr>
-            <a:r>
-              <a:rPr lang="ja-JP" altLang="en-US" sz="1484" dirty="0">
-                <a:solidFill>
-                  <a:schemeClr val="tx1">
-                    <a:lumMod val="95000"/>
-                    <a:lumOff val="5000"/>
-                  </a:schemeClr>
-                </a:solidFill>
-              </a:rPr>
-              <a:t> </a:t>
-            </a:r>
-            <a:r>
-              <a:rPr lang="en-US" altLang="ja-JP" sz="1484" dirty="0">
-                <a:solidFill>
-                  <a:schemeClr val="tx1">
-                    <a:lumMod val="95000"/>
-                    <a:lumOff val="5000"/>
-                  </a:schemeClr>
-                </a:solidFill>
-              </a:rPr>
-              <a:t>4H or less	: Free</a:t>
-            </a:r>
-          </a:p>
-          <a:p>
-            <a:pPr>
-              <a:tabLst>
-                <a:tab pos="1155941" algn="l"/>
-              </a:tabLst>
-            </a:pPr>
-            <a:r>
-              <a:rPr lang="en-US" altLang="ja-JP" sz="1484" dirty="0">
-                <a:solidFill>
-                  <a:schemeClr val="tx1">
-                    <a:lumMod val="95000"/>
-                    <a:lumOff val="5000"/>
-                  </a:schemeClr>
-                </a:solidFill>
-              </a:rPr>
-              <a:t> More than 4H	: 10 USD</a:t>
-            </a:r>
-          </a:p>
-        </p:txBody>
-      </p:sp>
-      <p:sp>
-        <p:nvSpPr>
-          <p:cNvPr id="47" name="Rectangle 46">
-            <a:extLst>
-              <a:ext uri="{FF2B5EF4-FFF2-40B4-BE49-F238E27FC236}">
-                <a16:creationId xmlns:a16="http://schemas.microsoft.com/office/drawing/2014/main" id="{85D3C582-E10A-4DBD-BCA2-1F7FE5714571}"/>
-              </a:ext>
-            </a:extLst>
-          </p:cNvPr>
-          <p:cNvSpPr/>
-          <p:nvPr/>
-        </p:nvSpPr>
-        <p:spPr>
-          <a:xfrm>
-            <a:off x="4266273" y="4493983"/>
-            <a:ext cx="2111752" cy="1007901"/>
-          </a:xfrm>
-          <a:prstGeom prst="rect">
-            <a:avLst/>
-          </a:prstGeom>
-          <a:noFill/>
-          <a:ln>
-            <a:solidFill>
-              <a:schemeClr val="tx1">
-                <a:lumMod val="95000"/>
-                <a:lumOff val="5000"/>
-              </a:schemeClr>
-            </a:solidFill>
-          </a:ln>
-        </p:spPr>
-        <p:style>
-          <a:lnRef idx="1">
-            <a:schemeClr val="dk1"/>
-          </a:lnRef>
-          <a:fillRef idx="2">
-            <a:schemeClr val="dk1"/>
-          </a:fillRef>
-          <a:effectRef idx="1">
-            <a:schemeClr val="dk1"/>
-          </a:effectRef>
-          <a:fontRef idx="minor">
-            <a:schemeClr val="dk1"/>
-          </a:fontRef>
-        </p:style>
-        <p:txBody>
-          <a:bodyPr rtlCol="0" anchor="ctr"/>
-          <a:lstStyle/>
-          <a:p>
-            <a:pPr algn="ctr"/>
-            <a:r>
-              <a:rPr lang="en-US" altLang="ja-JP" sz="1484" dirty="0">
-                <a:solidFill>
-                  <a:schemeClr val="tx1">
-                    <a:lumMod val="95000"/>
-                    <a:lumOff val="5000"/>
-                  </a:schemeClr>
-                </a:solidFill>
-              </a:rPr>
-              <a:t>Depends on the teacher</a:t>
-            </a:r>
-            <a:endParaRPr lang="ja-JP" altLang="en-US" sz="1484" dirty="0">
-              <a:solidFill>
-                <a:schemeClr val="tx1">
-                  <a:lumMod val="95000"/>
-                  <a:lumOff val="5000"/>
-                </a:schemeClr>
-              </a:solidFill>
-            </a:endParaRPr>
-          </a:p>
-        </p:txBody>
-      </p:sp>
-      <p:sp>
-        <p:nvSpPr>
-          <p:cNvPr id="49" name="Rectangle 48">
-            <a:extLst>
-              <a:ext uri="{FF2B5EF4-FFF2-40B4-BE49-F238E27FC236}">
-                <a16:creationId xmlns:a16="http://schemas.microsoft.com/office/drawing/2014/main" id="{C37F2386-852C-4975-B09E-6681E58439AC}"/>
-              </a:ext>
-            </a:extLst>
-          </p:cNvPr>
-          <p:cNvSpPr/>
-          <p:nvPr/>
-        </p:nvSpPr>
-        <p:spPr>
-          <a:xfrm>
-            <a:off x="4266273" y="1755116"/>
-            <a:ext cx="2111752" cy="352309"/>
-          </a:xfrm>
-          <a:prstGeom prst="rect">
-            <a:avLst/>
-          </a:prstGeom>
-          <a:noFill/>
-          <a:ln>
-            <a:noFill/>
-          </a:ln>
-        </p:spPr>
-        <p:style>
-          <a:lnRef idx="1">
-            <a:schemeClr val="dk1"/>
-          </a:lnRef>
-          <a:fillRef idx="2">
-            <a:schemeClr val="dk1"/>
-          </a:fillRef>
-          <a:effectRef idx="1">
-            <a:schemeClr val="dk1"/>
-          </a:effectRef>
-          <a:fontRef idx="minor">
-            <a:schemeClr val="dk1"/>
-          </a:fontRef>
-        </p:style>
-        <p:txBody>
-          <a:bodyPr wrap="none" rtlCol="0" anchor="ctr"/>
-          <a:lstStyle/>
-          <a:p>
-            <a:pPr algn="ctr"/>
-            <a:r>
-              <a:rPr lang="en-US" altLang="ja-JP" sz="1696" b="1" u="sng" dirty="0">
-                <a:solidFill>
-                  <a:schemeClr val="tx1">
-                    <a:lumMod val="95000"/>
-                    <a:lumOff val="5000"/>
-                  </a:schemeClr>
-                </a:solidFill>
-              </a:rPr>
-              <a:t>After initial stage</a:t>
-            </a:r>
-            <a:endParaRPr lang="ja-JP" altLang="en-US" sz="1696" b="1" u="sng" dirty="0">
-              <a:solidFill>
-                <a:schemeClr val="tx1">
-                  <a:lumMod val="95000"/>
-                  <a:lumOff val="5000"/>
-                </a:schemeClr>
-              </a:solidFill>
-            </a:endParaRPr>
-          </a:p>
-        </p:txBody>
-      </p:sp>
-      <p:sp>
-        <p:nvSpPr>
-          <p:cNvPr id="50" name="Rectangle 49">
-            <a:extLst>
-              <a:ext uri="{FF2B5EF4-FFF2-40B4-BE49-F238E27FC236}">
-                <a16:creationId xmlns:a16="http://schemas.microsoft.com/office/drawing/2014/main" id="{4A1ABFBB-801A-4203-ADD8-867A0644E4A5}"/>
-              </a:ext>
-            </a:extLst>
-          </p:cNvPr>
-          <p:cNvSpPr/>
-          <p:nvPr/>
-        </p:nvSpPr>
-        <p:spPr>
-          <a:xfrm>
-            <a:off x="5318595" y="995341"/>
-            <a:ext cx="1059430" cy="481219"/>
+            <a:off x="359515" y="4524358"/>
+            <a:ext cx="969136" cy="346799"/>
           </a:xfrm>
           <a:prstGeom prst="rect">
             <a:avLst/>
@@ -6313,19 +5533,21 @@
           <a:bodyPr rtlCol="0" anchor="ctr"/>
           <a:lstStyle/>
           <a:p>
-            <a:r>
-              <a:rPr lang="en-US" altLang="ja-JP" sz="1696" dirty="0"/>
-              <a:t>(monthly)</a:t>
-            </a:r>
-          </a:p>
-        </p:txBody>
-      </p:sp>
-      <p:sp>
-        <p:nvSpPr>
-          <p:cNvPr id="51" name="Rectangle 50">
+            <a:pPr algn="ctr"/>
+            <a:r>
+              <a:rPr lang="en-US" altLang="ja-JP" sz="1484" dirty="0"/>
+              <a:t>Learner</a:t>
+            </a:r>
+            <a:endParaRPr lang="ja-JP" altLang="en-US" sz="1484" dirty="0"/>
+          </a:p>
+        </p:txBody>
+      </p:sp>
+      <p:sp>
+        <p:nvSpPr>
+          <p:cNvPr id="47" name="Rectangle 46">
             <a:extLst>
               <a:ext uri="{FF2B5EF4-FFF2-40B4-BE49-F238E27FC236}">
-                <a16:creationId xmlns:a16="http://schemas.microsoft.com/office/drawing/2014/main" id="{07A3505E-8457-4B0F-9873-CD80A0794113}"/>
+                <a16:creationId xmlns:a16="http://schemas.microsoft.com/office/drawing/2014/main" id="{15187459-E755-41DE-BE7E-D2F661F0E2AD}"/>
               </a:ext>
             </a:extLst>
           </p:cNvPr>
@@ -6334,27 +5556,29 @@
         </p:nvSpPr>
         <p:spPr>
           <a:xfrm>
-            <a:off x="114702" y="3307064"/>
-            <a:ext cx="1831667" cy="1007901"/>
+            <a:off x="4835888" y="4398776"/>
+            <a:ext cx="1556490" cy="472547"/>
           </a:xfrm>
           <a:prstGeom prst="rect">
             <a:avLst/>
           </a:prstGeom>
           <a:solidFill>
-            <a:srgbClr val="ED6F11"/>
+            <a:schemeClr val="bg1"/>
           </a:solidFill>
           <a:ln>
-            <a:noFill/>
+            <a:solidFill>
+              <a:schemeClr val="bg1"/>
+            </a:solidFill>
           </a:ln>
         </p:spPr>
         <p:style>
-          <a:lnRef idx="1">
+          <a:lnRef idx="2">
             <a:schemeClr val="dk1"/>
           </a:lnRef>
-          <a:fillRef idx="2">
-            <a:schemeClr val="dk1"/>
+          <a:fillRef idx="1">
+            <a:schemeClr val="lt1"/>
           </a:fillRef>
-          <a:effectRef idx="1">
+          <a:effectRef idx="0">
             <a:schemeClr val="dk1"/>
           </a:effectRef>
           <a:fontRef idx="minor">
@@ -6367,33 +5591,49 @@
           <a:p>
             <a:pPr algn="ctr"/>
             <a:r>
-              <a:rPr lang="en-US" altLang="ja-JP" sz="1696" b="1" dirty="0">
-                <a:solidFill>
-                  <a:schemeClr val="bg1"/>
-                </a:solidFill>
-              </a:rPr>
-              <a:t>Learner-Employed</a:t>
-            </a:r>
-          </a:p>
-          <a:p>
-            <a:pPr algn="ctr"/>
-            <a:r>
-              <a:rPr lang="en-US" altLang="ja-JP" sz="1696" b="1" dirty="0">
-                <a:solidFill>
-                  <a:schemeClr val="bg1"/>
-                </a:solidFill>
-              </a:rPr>
-              <a:t>Filipino teacher</a:t>
-            </a:r>
-          </a:p>
-        </p:txBody>
-      </p:sp>
-      <p:sp>
-        <p:nvSpPr>
-          <p:cNvPr id="52" name="Rectangle 51">
+              <a:rPr lang="en-US" altLang="ja-JP" sz="1484" dirty="0"/>
+              <a:t>Employed Filipino teacher</a:t>
+            </a:r>
+            <a:endParaRPr lang="ja-JP" altLang="en-US" sz="1484" dirty="0"/>
+          </a:p>
+        </p:txBody>
+      </p:sp>
+      <p:pic>
+        <p:nvPicPr>
+          <p:cNvPr id="48" name="Picture 47">
             <a:extLst>
               <a:ext uri="{FF2B5EF4-FFF2-40B4-BE49-F238E27FC236}">
-                <a16:creationId xmlns:a16="http://schemas.microsoft.com/office/drawing/2014/main" id="{539B1FC8-0C88-411D-B87B-7EC469D54933}"/>
+                <a16:creationId xmlns:a16="http://schemas.microsoft.com/office/drawing/2014/main" id="{D6E41700-43A1-4FE4-8039-AD5717323B75}"/>
+              </a:ext>
+            </a:extLst>
+          </p:cNvPr>
+          <p:cNvPicPr>
+            <a:picLocks noChangeAspect="1"/>
+          </p:cNvPicPr>
+          <p:nvPr/>
+        </p:nvPicPr>
+        <p:blipFill>
+          <a:blip r:embed="rId3"/>
+          <a:stretch>
+            <a:fillRect/>
+          </a:stretch>
+        </p:blipFill>
+        <p:spPr>
+          <a:xfrm>
+            <a:off x="5329974" y="3258274"/>
+            <a:ext cx="982647" cy="1063413"/>
+          </a:xfrm>
+          <a:prstGeom prst="rect">
+            <a:avLst/>
+          </a:prstGeom>
+        </p:spPr>
+      </p:pic>
+      <p:sp>
+        <p:nvSpPr>
+          <p:cNvPr id="2" name="Arrow: Curved Down 1">
+            <a:extLst>
+              <a:ext uri="{FF2B5EF4-FFF2-40B4-BE49-F238E27FC236}">
+                <a16:creationId xmlns:a16="http://schemas.microsoft.com/office/drawing/2014/main" id="{03B26CFD-3D76-449D-857C-CC99E948DE84}"/>
               </a:ext>
             </a:extLst>
           </p:cNvPr>
@@ -6402,31 +5642,22 @@
         </p:nvSpPr>
         <p:spPr>
           <a:xfrm>
-            <a:off x="2048678" y="3307064"/>
-            <a:ext cx="2111752" cy="1007901"/>
-          </a:xfrm>
-          <a:prstGeom prst="rect">
+            <a:off x="892813" y="2237245"/>
+            <a:ext cx="4748877" cy="940222"/>
+          </a:xfrm>
+          <a:prstGeom prst="curvedDownArrow">
             <a:avLst/>
           </a:prstGeom>
-          <a:noFill/>
-          <a:ln>
-            <a:solidFill>
-              <a:schemeClr val="tx1">
-                <a:lumMod val="95000"/>
-                <a:lumOff val="5000"/>
-              </a:schemeClr>
-            </a:solidFill>
-          </a:ln>
         </p:spPr>
         <p:style>
           <a:lnRef idx="1">
-            <a:schemeClr val="dk1"/>
+            <a:schemeClr val="accent4"/>
           </a:lnRef>
           <a:fillRef idx="2">
-            <a:schemeClr val="dk1"/>
+            <a:schemeClr val="accent4"/>
           </a:fillRef>
           <a:effectRef idx="1">
-            <a:schemeClr val="dk1"/>
+            <a:schemeClr val="accent4"/>
           </a:effectRef>
           <a:fontRef idx="minor">
             <a:schemeClr val="dk1"/>
@@ -6436,68 +5667,10 @@
           <a:bodyPr rtlCol="0" anchor="ctr"/>
           <a:lstStyle/>
           <a:p>
-            <a:pPr defTabSz="848026">
-              <a:tabLst>
-                <a:tab pos="1458807" algn="l"/>
-              </a:tabLst>
-            </a:pPr>
-            <a:r>
-              <a:rPr lang="en-US" altLang="ja-JP" sz="1484" dirty="0">
-                <a:solidFill>
-                  <a:schemeClr val="tx1">
-                    <a:lumMod val="95000"/>
-                    <a:lumOff val="5000"/>
-                  </a:schemeClr>
-                </a:solidFill>
-              </a:rPr>
-              <a:t>Call for </a:t>
-            </a:r>
-          </a:p>
-          <a:p>
-            <a:pPr>
-              <a:tabLst>
-                <a:tab pos="1458807" algn="l"/>
-              </a:tabLst>
-            </a:pPr>
-            <a:r>
-              <a:rPr lang="en-US" altLang="ja-JP" sz="1484" dirty="0">
-                <a:solidFill>
-                  <a:schemeClr val="tx1">
-                    <a:lumMod val="95000"/>
-                    <a:lumOff val="5000"/>
-                  </a:schemeClr>
-                </a:solidFill>
-              </a:rPr>
-              <a:t>  2H(30MIN×4)</a:t>
-            </a:r>
-            <a:r>
-              <a:rPr lang="ja-JP" altLang="en-US" sz="1484" dirty="0">
-                <a:solidFill>
-                  <a:schemeClr val="tx1">
-                    <a:lumMod val="95000"/>
-                    <a:lumOff val="5000"/>
-                  </a:schemeClr>
-                </a:solidFill>
-              </a:rPr>
-              <a:t>  </a:t>
-            </a:r>
-            <a:r>
-              <a:rPr lang="en-US" altLang="ja-JP" sz="1484" dirty="0">
-                <a:solidFill>
-                  <a:schemeClr val="tx1">
-                    <a:lumMod val="95000"/>
-                    <a:lumOff val="5000"/>
-                  </a:schemeClr>
-                </a:solidFill>
-              </a:rPr>
-              <a:t>: Free</a:t>
-            </a:r>
-            <a:endParaRPr lang="ja-JP" altLang="en-US" sz="1484" dirty="0">
+            <a:pPr algn="ctr"/>
+            <a:endParaRPr lang="ja-JP" altLang="en-US" sz="1908">
               <a:solidFill>
-                <a:schemeClr val="tx1">
-                  <a:lumMod val="95000"/>
-                  <a:lumOff val="5000"/>
-                </a:schemeClr>
+                <a:schemeClr val="dk1"/>
               </a:solidFill>
             </a:endParaRPr>
           </a:p>
@@ -6505,10 +5678,10 @@
       </p:sp>
       <p:sp>
         <p:nvSpPr>
-          <p:cNvPr id="53" name="Rectangle 52">
+          <p:cNvPr id="50" name="Arrow: Curved Down 49">
             <a:extLst>
               <a:ext uri="{FF2B5EF4-FFF2-40B4-BE49-F238E27FC236}">
-                <a16:creationId xmlns:a16="http://schemas.microsoft.com/office/drawing/2014/main" id="{221478D1-81A2-499E-AFDA-2F0563F9A6D0}"/>
+                <a16:creationId xmlns:a16="http://schemas.microsoft.com/office/drawing/2014/main" id="{A9D5B925-B641-4099-BD5C-B39E2DFBADD5}"/>
               </a:ext>
             </a:extLst>
           </p:cNvPr>
@@ -6516,31 +5689,107 @@
           <p:nvPr/>
         </p:nvSpPr>
         <p:spPr>
-          <a:xfrm>
-            <a:off x="4266273" y="3307064"/>
-            <a:ext cx="2111752" cy="1007901"/>
+          <a:xfrm rot="10800000">
+            <a:off x="871999" y="4964224"/>
+            <a:ext cx="4748876" cy="940222"/>
+          </a:xfrm>
+          <a:prstGeom prst="curvedDownArrow">
+            <a:avLst/>
+          </a:prstGeom>
+        </p:spPr>
+        <p:style>
+          <a:lnRef idx="1">
+            <a:schemeClr val="accent4"/>
+          </a:lnRef>
+          <a:fillRef idx="2">
+            <a:schemeClr val="accent4"/>
+          </a:fillRef>
+          <a:effectRef idx="1">
+            <a:schemeClr val="accent4"/>
+          </a:effectRef>
+          <a:fontRef idx="minor">
+            <a:schemeClr val="dk1"/>
+          </a:fontRef>
+        </p:style>
+        <p:txBody>
+          <a:bodyPr rtlCol="0" anchor="ctr"/>
+          <a:lstStyle/>
+          <a:p>
+            <a:pPr algn="ctr"/>
+            <a:endParaRPr lang="ja-JP" altLang="en-US" sz="1908">
+              <a:solidFill>
+                <a:schemeClr val="dk1"/>
+              </a:solidFill>
+            </a:endParaRPr>
+          </a:p>
+        </p:txBody>
+      </p:sp>
+      <p:pic>
+        <p:nvPicPr>
+          <p:cNvPr id="8" name="Picture 7">
+            <a:extLst>
+              <a:ext uri="{FF2B5EF4-FFF2-40B4-BE49-F238E27FC236}">
+                <a16:creationId xmlns:a16="http://schemas.microsoft.com/office/drawing/2014/main" id="{668E2952-A652-4F6B-908C-CBAFFB82D658}"/>
+              </a:ext>
+            </a:extLst>
+          </p:cNvPr>
+          <p:cNvPicPr>
+            <a:picLocks noChangeAspect="1"/>
+          </p:cNvPicPr>
+          <p:nvPr/>
+        </p:nvPicPr>
+        <p:blipFill rotWithShape="1">
+          <a:blip r:embed="rId4"/>
+          <a:srcRect r="10420"/>
+          <a:stretch/>
+        </p:blipFill>
+        <p:spPr>
+          <a:xfrm>
+            <a:off x="2918487" y="686246"/>
+            <a:ext cx="655899" cy="867793"/>
           </a:xfrm>
           <a:prstGeom prst="rect">
             <a:avLst/>
           </a:prstGeom>
-          <a:noFill/>
+        </p:spPr>
+      </p:pic>
+      <p:sp>
+        <p:nvSpPr>
+          <p:cNvPr id="52" name="Rectangle 51">
+            <a:extLst>
+              <a:ext uri="{FF2B5EF4-FFF2-40B4-BE49-F238E27FC236}">
+                <a16:creationId xmlns:a16="http://schemas.microsoft.com/office/drawing/2014/main" id="{FA800B1B-F50E-4DC7-BD8D-CC7EF9E93539}"/>
+              </a:ext>
+            </a:extLst>
+          </p:cNvPr>
+          <p:cNvSpPr/>
+          <p:nvPr/>
+        </p:nvSpPr>
+        <p:spPr>
+          <a:xfrm>
+            <a:off x="1627021" y="6061718"/>
+            <a:ext cx="3352249" cy="721182"/>
+          </a:xfrm>
+          <a:prstGeom prst="rect">
+            <a:avLst/>
+          </a:prstGeom>
+          <a:solidFill>
+            <a:schemeClr val="bg1"/>
+          </a:solidFill>
           <a:ln>
             <a:solidFill>
-              <a:schemeClr val="tx1">
-                <a:lumMod val="95000"/>
-                <a:lumOff val="5000"/>
-              </a:schemeClr>
+              <a:schemeClr val="bg1"/>
             </a:solidFill>
           </a:ln>
         </p:spPr>
         <p:style>
-          <a:lnRef idx="1">
+          <a:lnRef idx="2">
             <a:schemeClr val="dk1"/>
           </a:lnRef>
-          <a:fillRef idx="2">
-            <a:schemeClr val="dk1"/>
+          <a:fillRef idx="1">
+            <a:schemeClr val="lt1"/>
           </a:fillRef>
-          <a:effectRef idx="1">
+          <a:effectRef idx="0">
             <a:schemeClr val="dk1"/>
           </a:effectRef>
           <a:fontRef idx="minor">
@@ -6551,55 +5800,38 @@
           <a:bodyPr rtlCol="0" anchor="ctr"/>
           <a:lstStyle/>
           <a:p>
-            <a:pPr defTabSz="848026">
-              <a:tabLst>
-                <a:tab pos="1330930" algn="l"/>
-              </a:tabLst>
+            <a:r>
+              <a:rPr lang="en-US" altLang="ja-JP" sz="1484" dirty="0"/>
+              <a:t>Can request but</a:t>
+            </a:r>
+          </a:p>
+          <a:p>
+            <a:pPr marL="285750" indent="-285750">
+              <a:buFont typeface="Arial" panose="020B0604020202020204" pitchFamily="34" charset="0"/>
+              <a:buChar char="•"/>
             </a:pPr>
             <a:r>
-              <a:rPr lang="en-US" altLang="ja-JP" sz="1484" dirty="0">
-                <a:solidFill>
-                  <a:schemeClr val="tx1">
-                    <a:lumMod val="95000"/>
-                    <a:lumOff val="5000"/>
-                  </a:schemeClr>
-                </a:solidFill>
-              </a:rPr>
-              <a:t>Call for </a:t>
-            </a:r>
-          </a:p>
-          <a:p>
-            <a:pPr>
-              <a:tabLst>
-                <a:tab pos="1330930" algn="l"/>
-              </a:tabLst>
+              <a:rPr lang="en-US" altLang="ja-JP" sz="1484" dirty="0"/>
+              <a:t>Request time has limit</a:t>
+            </a:r>
+          </a:p>
+          <a:p>
+            <a:pPr marL="285750" indent="-285750">
+              <a:buFont typeface="Arial" panose="020B0604020202020204" pitchFamily="34" charset="0"/>
+              <a:buChar char="•"/>
             </a:pPr>
             <a:r>
-              <a:rPr lang="en-US" altLang="ja-JP" sz="1484" dirty="0">
-                <a:solidFill>
-                  <a:schemeClr val="tx1">
-                    <a:lumMod val="95000"/>
-                    <a:lumOff val="5000"/>
-                  </a:schemeClr>
-                </a:solidFill>
-              </a:rPr>
-              <a:t>  2H(30MIN×4): 10 USD</a:t>
-            </a:r>
-            <a:endParaRPr lang="ja-JP" altLang="en-US" sz="1484" dirty="0">
-              <a:solidFill>
-                <a:schemeClr val="tx1">
-                  <a:lumMod val="95000"/>
-                  <a:lumOff val="5000"/>
-                </a:schemeClr>
-              </a:solidFill>
-            </a:endParaRPr>
+              <a:rPr lang="en-US" altLang="ja-JP" sz="1484" dirty="0"/>
+              <a:t>Higher wage, likely to need lessons</a:t>
+            </a:r>
+            <a:endParaRPr lang="ja-JP" altLang="en-US" sz="1484" dirty="0"/>
           </a:p>
         </p:txBody>
       </p:sp>
     </p:spTree>
     <p:extLst>
       <p:ext uri="{BB962C8B-B14F-4D97-AF65-F5344CB8AC3E}">
-        <p14:creationId xmlns:p14="http://schemas.microsoft.com/office/powerpoint/2010/main" val="515520304"/>
+        <p14:creationId xmlns:p14="http://schemas.microsoft.com/office/powerpoint/2010/main" val="3054113285"/>
       </p:ext>
     </p:extLst>
   </p:cSld>
@@ -6640,6 +5872,1134 @@
         </p:nvSpPr>
         <p:spPr>
           <a:xfrm>
+            <a:off x="315559" y="351401"/>
+            <a:ext cx="3531046" cy="631008"/>
+          </a:xfrm>
+          <a:prstGeom prst="rect">
+            <a:avLst/>
+          </a:prstGeom>
+          <a:solidFill>
+            <a:schemeClr val="bg1"/>
+          </a:solidFill>
+          <a:ln>
+            <a:solidFill>
+              <a:schemeClr val="bg1"/>
+            </a:solidFill>
+          </a:ln>
+        </p:spPr>
+        <p:style>
+          <a:lnRef idx="2">
+            <a:schemeClr val="dk1"/>
+          </a:lnRef>
+          <a:fillRef idx="1">
+            <a:schemeClr val="lt1"/>
+          </a:fillRef>
+          <a:effectRef idx="0">
+            <a:schemeClr val="dk1"/>
+          </a:effectRef>
+          <a:fontRef idx="minor">
+            <a:schemeClr val="dk1"/>
+          </a:fontRef>
+        </p:style>
+        <p:txBody>
+          <a:bodyPr rtlCol="0" anchor="ctr"/>
+          <a:lstStyle/>
+          <a:p>
+            <a:r>
+              <a:rPr lang="en-US" altLang="ja-JP" sz="2120" b="1" dirty="0"/>
+              <a:t>All you need to pay </a:t>
+            </a:r>
+          </a:p>
+        </p:txBody>
+      </p:sp>
+      <p:sp>
+        <p:nvSpPr>
+          <p:cNvPr id="22" name="Rectangle 21">
+            <a:extLst>
+              <a:ext uri="{FF2B5EF4-FFF2-40B4-BE49-F238E27FC236}">
+                <a16:creationId xmlns:a16="http://schemas.microsoft.com/office/drawing/2014/main" id="{DD2C5545-46A7-4DC7-8D51-7756F9887475}"/>
+              </a:ext>
+            </a:extLst>
+          </p:cNvPr>
+          <p:cNvSpPr/>
+          <p:nvPr/>
+        </p:nvSpPr>
+        <p:spPr>
+          <a:xfrm>
+            <a:off x="114703" y="12802"/>
+            <a:ext cx="2318324" cy="410887"/>
+          </a:xfrm>
+          <a:prstGeom prst="rect">
+            <a:avLst/>
+          </a:prstGeom>
+          <a:solidFill>
+            <a:schemeClr val="bg1"/>
+          </a:solidFill>
+          <a:ln>
+            <a:solidFill>
+              <a:schemeClr val="bg1"/>
+            </a:solidFill>
+          </a:ln>
+        </p:spPr>
+        <p:style>
+          <a:lnRef idx="2">
+            <a:schemeClr val="dk1"/>
+          </a:lnRef>
+          <a:fillRef idx="1">
+            <a:schemeClr val="lt1"/>
+          </a:fillRef>
+          <a:effectRef idx="0">
+            <a:schemeClr val="dk1"/>
+          </a:effectRef>
+          <a:fontRef idx="minor">
+            <a:schemeClr val="dk1"/>
+          </a:fontRef>
+        </p:style>
+        <p:txBody>
+          <a:bodyPr rtlCol="0" anchor="ctr"/>
+          <a:lstStyle/>
+          <a:p>
+            <a:r>
+              <a:rPr lang="en-US" altLang="ja-JP" sz="2544" b="1" dirty="0"/>
+              <a:t>Cost(Learner)</a:t>
+            </a:r>
+          </a:p>
+        </p:txBody>
+      </p:sp>
+      <p:sp>
+        <p:nvSpPr>
+          <p:cNvPr id="2" name="Rectangle 1">
+            <a:extLst>
+              <a:ext uri="{FF2B5EF4-FFF2-40B4-BE49-F238E27FC236}">
+                <a16:creationId xmlns:a16="http://schemas.microsoft.com/office/drawing/2014/main" id="{FF933B7C-51D7-4165-86AB-49F12F46E42E}"/>
+              </a:ext>
+            </a:extLst>
+          </p:cNvPr>
+          <p:cNvSpPr/>
+          <p:nvPr/>
+        </p:nvSpPr>
+        <p:spPr>
+          <a:xfrm>
+            <a:off x="114702" y="2120146"/>
+            <a:ext cx="1831667" cy="1007901"/>
+          </a:xfrm>
+          <a:prstGeom prst="rect">
+            <a:avLst/>
+          </a:prstGeom>
+          <a:solidFill>
+            <a:srgbClr val="ED6F11"/>
+          </a:solidFill>
+          <a:ln>
+            <a:noFill/>
+          </a:ln>
+        </p:spPr>
+        <p:style>
+          <a:lnRef idx="1">
+            <a:schemeClr val="dk1"/>
+          </a:lnRef>
+          <a:fillRef idx="2">
+            <a:schemeClr val="dk1"/>
+          </a:fillRef>
+          <a:effectRef idx="1">
+            <a:schemeClr val="dk1"/>
+          </a:effectRef>
+          <a:fontRef idx="minor">
+            <a:schemeClr val="dk1"/>
+          </a:fontRef>
+        </p:style>
+        <p:txBody>
+          <a:bodyPr rtlCol="0" anchor="ctr"/>
+          <a:lstStyle/>
+          <a:p>
+            <a:pPr algn="ctr"/>
+            <a:r>
+              <a:rPr lang="en-US" altLang="ja-JP" sz="1696" b="1" dirty="0">
+                <a:solidFill>
+                  <a:schemeClr val="bg1"/>
+                </a:solidFill>
+              </a:rPr>
+              <a:t>Learner-Learner</a:t>
+            </a:r>
+            <a:endParaRPr lang="ja-JP" altLang="en-US" sz="1696" b="1" dirty="0">
+              <a:solidFill>
+                <a:schemeClr val="bg1"/>
+              </a:solidFill>
+            </a:endParaRPr>
+          </a:p>
+        </p:txBody>
+      </p:sp>
+      <p:sp>
+        <p:nvSpPr>
+          <p:cNvPr id="28" name="Rectangle 27">
+            <a:extLst>
+              <a:ext uri="{FF2B5EF4-FFF2-40B4-BE49-F238E27FC236}">
+                <a16:creationId xmlns:a16="http://schemas.microsoft.com/office/drawing/2014/main" id="{92751BBB-2EE5-4018-BDAB-DA372BCF28A7}"/>
+              </a:ext>
+            </a:extLst>
+          </p:cNvPr>
+          <p:cNvSpPr/>
+          <p:nvPr/>
+        </p:nvSpPr>
+        <p:spPr>
+          <a:xfrm>
+            <a:off x="114702" y="4493983"/>
+            <a:ext cx="1831667" cy="1007901"/>
+          </a:xfrm>
+          <a:prstGeom prst="rect">
+            <a:avLst/>
+          </a:prstGeom>
+          <a:solidFill>
+            <a:srgbClr val="ED6F11"/>
+          </a:solidFill>
+          <a:ln>
+            <a:noFill/>
+          </a:ln>
+        </p:spPr>
+        <p:style>
+          <a:lnRef idx="1">
+            <a:schemeClr val="dk1"/>
+          </a:lnRef>
+          <a:fillRef idx="2">
+            <a:schemeClr val="dk1"/>
+          </a:fillRef>
+          <a:effectRef idx="1">
+            <a:schemeClr val="dk1"/>
+          </a:effectRef>
+          <a:fontRef idx="minor">
+            <a:schemeClr val="dk1"/>
+          </a:fontRef>
+        </p:style>
+        <p:txBody>
+          <a:bodyPr rtlCol="0" anchor="ctr"/>
+          <a:lstStyle/>
+          <a:p>
+            <a:pPr algn="ctr"/>
+            <a:r>
+              <a:rPr lang="en-US" altLang="ja-JP" sz="1696" b="1" dirty="0">
+                <a:solidFill>
+                  <a:schemeClr val="bg1"/>
+                </a:solidFill>
+              </a:rPr>
+              <a:t>Learner-</a:t>
+            </a:r>
+          </a:p>
+          <a:p>
+            <a:pPr algn="ctr"/>
+            <a:r>
+              <a:rPr lang="en-US" altLang="ja-JP" sz="1696" b="1" dirty="0">
+                <a:solidFill>
+                  <a:schemeClr val="bg1"/>
+                </a:solidFill>
+              </a:rPr>
+              <a:t>Freelance teacher</a:t>
+            </a:r>
+            <a:endParaRPr lang="ja-JP" altLang="en-US" sz="1696" b="1" dirty="0">
+              <a:solidFill>
+                <a:schemeClr val="bg1"/>
+              </a:solidFill>
+            </a:endParaRPr>
+          </a:p>
+        </p:txBody>
+      </p:sp>
+      <p:sp>
+        <p:nvSpPr>
+          <p:cNvPr id="41" name="Rectangle 40">
+            <a:extLst>
+              <a:ext uri="{FF2B5EF4-FFF2-40B4-BE49-F238E27FC236}">
+                <a16:creationId xmlns:a16="http://schemas.microsoft.com/office/drawing/2014/main" id="{EF423585-0380-4399-BC0E-572685A7F0C7}"/>
+              </a:ext>
+            </a:extLst>
+          </p:cNvPr>
+          <p:cNvSpPr/>
+          <p:nvPr/>
+        </p:nvSpPr>
+        <p:spPr>
+          <a:xfrm>
+            <a:off x="2048678" y="2120146"/>
+            <a:ext cx="2111752" cy="1007901"/>
+          </a:xfrm>
+          <a:prstGeom prst="rect">
+            <a:avLst/>
+          </a:prstGeom>
+          <a:noFill/>
+          <a:ln>
+            <a:solidFill>
+              <a:schemeClr val="tx1">
+                <a:lumMod val="95000"/>
+                <a:lumOff val="5000"/>
+              </a:schemeClr>
+            </a:solidFill>
+          </a:ln>
+        </p:spPr>
+        <p:style>
+          <a:lnRef idx="1">
+            <a:schemeClr val="dk1"/>
+          </a:lnRef>
+          <a:fillRef idx="2">
+            <a:schemeClr val="dk1"/>
+          </a:fillRef>
+          <a:effectRef idx="1">
+            <a:schemeClr val="dk1"/>
+          </a:effectRef>
+          <a:fontRef idx="minor">
+            <a:schemeClr val="dk1"/>
+          </a:fontRef>
+        </p:style>
+        <p:txBody>
+          <a:bodyPr rtlCol="0" anchor="ctr"/>
+          <a:lstStyle/>
+          <a:p>
+            <a:pPr algn="ctr"/>
+            <a:r>
+              <a:rPr lang="en-US" altLang="ja-JP" sz="1484" dirty="0">
+                <a:solidFill>
+                  <a:schemeClr val="tx1">
+                    <a:lumMod val="95000"/>
+                    <a:lumOff val="5000"/>
+                  </a:schemeClr>
+                </a:solidFill>
+              </a:rPr>
+              <a:t>Free</a:t>
+            </a:r>
+            <a:endParaRPr lang="ja-JP" altLang="en-US" sz="1484" dirty="0">
+              <a:solidFill>
+                <a:schemeClr val="tx1">
+                  <a:lumMod val="95000"/>
+                  <a:lumOff val="5000"/>
+                </a:schemeClr>
+              </a:solidFill>
+            </a:endParaRPr>
+          </a:p>
+        </p:txBody>
+      </p:sp>
+      <p:sp>
+        <p:nvSpPr>
+          <p:cNvPr id="42" name="Rectangle 41">
+            <a:extLst>
+              <a:ext uri="{FF2B5EF4-FFF2-40B4-BE49-F238E27FC236}">
+                <a16:creationId xmlns:a16="http://schemas.microsoft.com/office/drawing/2014/main" id="{D96EFACF-46F6-4BAA-86B8-7BF7A50F0FFA}"/>
+              </a:ext>
+            </a:extLst>
+          </p:cNvPr>
+          <p:cNvSpPr/>
+          <p:nvPr/>
+        </p:nvSpPr>
+        <p:spPr>
+          <a:xfrm>
+            <a:off x="2048678" y="4493983"/>
+            <a:ext cx="2111752" cy="1007901"/>
+          </a:xfrm>
+          <a:prstGeom prst="rect">
+            <a:avLst/>
+          </a:prstGeom>
+          <a:noFill/>
+          <a:ln>
+            <a:solidFill>
+              <a:schemeClr val="tx1">
+                <a:lumMod val="95000"/>
+                <a:lumOff val="5000"/>
+              </a:schemeClr>
+            </a:solidFill>
+          </a:ln>
+        </p:spPr>
+        <p:style>
+          <a:lnRef idx="1">
+            <a:schemeClr val="dk1"/>
+          </a:lnRef>
+          <a:fillRef idx="2">
+            <a:schemeClr val="dk1"/>
+          </a:fillRef>
+          <a:effectRef idx="1">
+            <a:schemeClr val="dk1"/>
+          </a:effectRef>
+          <a:fontRef idx="minor">
+            <a:schemeClr val="dk1"/>
+          </a:fontRef>
+        </p:style>
+        <p:txBody>
+          <a:bodyPr rtlCol="0" anchor="ctr"/>
+          <a:lstStyle/>
+          <a:p>
+            <a:pPr algn="ctr"/>
+            <a:r>
+              <a:rPr lang="en-US" altLang="ja-JP" sz="1484" dirty="0">
+                <a:solidFill>
+                  <a:schemeClr val="tx1">
+                    <a:lumMod val="95000"/>
+                    <a:lumOff val="5000"/>
+                  </a:schemeClr>
+                </a:solidFill>
+              </a:rPr>
+              <a:t>Depends on the teacher</a:t>
+            </a:r>
+            <a:endParaRPr lang="ja-JP" altLang="en-US" sz="1484" dirty="0">
+              <a:solidFill>
+                <a:schemeClr val="tx1">
+                  <a:lumMod val="95000"/>
+                  <a:lumOff val="5000"/>
+                </a:schemeClr>
+              </a:solidFill>
+            </a:endParaRPr>
+          </a:p>
+        </p:txBody>
+      </p:sp>
+      <p:sp>
+        <p:nvSpPr>
+          <p:cNvPr id="44" name="Rectangle 43">
+            <a:extLst>
+              <a:ext uri="{FF2B5EF4-FFF2-40B4-BE49-F238E27FC236}">
+                <a16:creationId xmlns:a16="http://schemas.microsoft.com/office/drawing/2014/main" id="{4A0B7D85-24D6-480C-863D-2E3AD1DD264A}"/>
+              </a:ext>
+            </a:extLst>
+          </p:cNvPr>
+          <p:cNvSpPr/>
+          <p:nvPr/>
+        </p:nvSpPr>
+        <p:spPr>
+          <a:xfrm>
+            <a:off x="114702" y="1755116"/>
+            <a:ext cx="1828134" cy="352309"/>
+          </a:xfrm>
+          <a:prstGeom prst="rect">
+            <a:avLst/>
+          </a:prstGeom>
+          <a:noFill/>
+          <a:ln>
+            <a:noFill/>
+          </a:ln>
+        </p:spPr>
+        <p:style>
+          <a:lnRef idx="1">
+            <a:schemeClr val="dk1"/>
+          </a:lnRef>
+          <a:fillRef idx="2">
+            <a:schemeClr val="dk1"/>
+          </a:fillRef>
+          <a:effectRef idx="1">
+            <a:schemeClr val="dk1"/>
+          </a:effectRef>
+          <a:fontRef idx="minor">
+            <a:schemeClr val="dk1"/>
+          </a:fontRef>
+        </p:style>
+        <p:txBody>
+          <a:bodyPr rtlCol="0" anchor="ctr"/>
+          <a:lstStyle/>
+          <a:p>
+            <a:pPr algn="ctr"/>
+            <a:r>
+              <a:rPr lang="en-US" altLang="ja-JP" sz="1696" b="1" u="sng" dirty="0">
+                <a:solidFill>
+                  <a:schemeClr val="tx1">
+                    <a:lumMod val="95000"/>
+                    <a:lumOff val="5000"/>
+                  </a:schemeClr>
+                </a:solidFill>
+              </a:rPr>
+              <a:t>Matching type</a:t>
+            </a:r>
+            <a:endParaRPr lang="ja-JP" altLang="en-US" sz="1696" b="1" u="sng" dirty="0">
+              <a:solidFill>
+                <a:schemeClr val="tx1">
+                  <a:lumMod val="95000"/>
+                  <a:lumOff val="5000"/>
+                </a:schemeClr>
+              </a:solidFill>
+            </a:endParaRPr>
+          </a:p>
+        </p:txBody>
+      </p:sp>
+      <p:sp>
+        <p:nvSpPr>
+          <p:cNvPr id="45" name="Rectangle 44">
+            <a:extLst>
+              <a:ext uri="{FF2B5EF4-FFF2-40B4-BE49-F238E27FC236}">
+                <a16:creationId xmlns:a16="http://schemas.microsoft.com/office/drawing/2014/main" id="{5E3BB31B-7141-4A31-AB20-9CFD1EF10E91}"/>
+              </a:ext>
+            </a:extLst>
+          </p:cNvPr>
+          <p:cNvSpPr/>
+          <p:nvPr/>
+        </p:nvSpPr>
+        <p:spPr>
+          <a:xfrm>
+            <a:off x="2048678" y="1755116"/>
+            <a:ext cx="2111752" cy="352309"/>
+          </a:xfrm>
+          <a:prstGeom prst="rect">
+            <a:avLst/>
+          </a:prstGeom>
+          <a:noFill/>
+          <a:ln>
+            <a:noFill/>
+          </a:ln>
+        </p:spPr>
+        <p:style>
+          <a:lnRef idx="1">
+            <a:schemeClr val="dk1"/>
+          </a:lnRef>
+          <a:fillRef idx="2">
+            <a:schemeClr val="dk1"/>
+          </a:fillRef>
+          <a:effectRef idx="1">
+            <a:schemeClr val="dk1"/>
+          </a:effectRef>
+          <a:fontRef idx="minor">
+            <a:schemeClr val="dk1"/>
+          </a:fontRef>
+        </p:style>
+        <p:txBody>
+          <a:bodyPr wrap="none" rtlCol="0" anchor="ctr"/>
+          <a:lstStyle/>
+          <a:p>
+            <a:pPr algn="ctr"/>
+            <a:r>
+              <a:rPr lang="en-US" altLang="ja-JP" sz="1696" b="1" u="sng" dirty="0">
+                <a:solidFill>
+                  <a:schemeClr val="tx1">
+                    <a:lumMod val="95000"/>
+                    <a:lumOff val="5000"/>
+                  </a:schemeClr>
+                </a:solidFill>
+              </a:rPr>
+              <a:t>Initial stage</a:t>
+            </a:r>
+            <a:endParaRPr lang="ja-JP" altLang="en-US" sz="1696" b="1" u="sng" dirty="0">
+              <a:solidFill>
+                <a:schemeClr val="tx1">
+                  <a:lumMod val="95000"/>
+                  <a:lumOff val="5000"/>
+                </a:schemeClr>
+              </a:solidFill>
+            </a:endParaRPr>
+          </a:p>
+        </p:txBody>
+      </p:sp>
+      <p:sp>
+        <p:nvSpPr>
+          <p:cNvPr id="46" name="Rectangle 45">
+            <a:extLst>
+              <a:ext uri="{FF2B5EF4-FFF2-40B4-BE49-F238E27FC236}">
+                <a16:creationId xmlns:a16="http://schemas.microsoft.com/office/drawing/2014/main" id="{C1E6C9AC-D3C0-473D-A220-A721488BA4F3}"/>
+              </a:ext>
+            </a:extLst>
+          </p:cNvPr>
+          <p:cNvSpPr/>
+          <p:nvPr/>
+        </p:nvSpPr>
+        <p:spPr>
+          <a:xfrm>
+            <a:off x="4266273" y="2120146"/>
+            <a:ext cx="2111752" cy="1007901"/>
+          </a:xfrm>
+          <a:prstGeom prst="rect">
+            <a:avLst/>
+          </a:prstGeom>
+          <a:noFill/>
+          <a:ln>
+            <a:solidFill>
+              <a:schemeClr val="tx1">
+                <a:lumMod val="95000"/>
+                <a:lumOff val="5000"/>
+              </a:schemeClr>
+            </a:solidFill>
+          </a:ln>
+        </p:spPr>
+        <p:style>
+          <a:lnRef idx="1">
+            <a:schemeClr val="dk1"/>
+          </a:lnRef>
+          <a:fillRef idx="2">
+            <a:schemeClr val="dk1"/>
+          </a:fillRef>
+          <a:effectRef idx="1">
+            <a:schemeClr val="dk1"/>
+          </a:effectRef>
+          <a:fontRef idx="minor">
+            <a:schemeClr val="dk1"/>
+          </a:fontRef>
+        </p:style>
+        <p:txBody>
+          <a:bodyPr rtlCol="0" anchor="ctr"/>
+          <a:lstStyle/>
+          <a:p>
+            <a:pPr defTabSz="848026">
+              <a:tabLst>
+                <a:tab pos="1155941" algn="l"/>
+              </a:tabLst>
+            </a:pPr>
+            <a:r>
+              <a:rPr lang="en-US" altLang="ja-JP" sz="1484" dirty="0">
+                <a:solidFill>
+                  <a:schemeClr val="tx1">
+                    <a:lumMod val="95000"/>
+                    <a:lumOff val="5000"/>
+                  </a:schemeClr>
+                </a:solidFill>
+              </a:rPr>
+              <a:t>Call for </a:t>
+            </a:r>
+          </a:p>
+          <a:p>
+            <a:pPr>
+              <a:tabLst>
+                <a:tab pos="1155941" algn="l"/>
+              </a:tabLst>
+            </a:pPr>
+            <a:r>
+              <a:rPr lang="ja-JP" altLang="en-US" sz="1484" dirty="0">
+                <a:solidFill>
+                  <a:schemeClr val="tx1">
+                    <a:lumMod val="95000"/>
+                    <a:lumOff val="5000"/>
+                  </a:schemeClr>
+                </a:solidFill>
+              </a:rPr>
+              <a:t> </a:t>
+            </a:r>
+            <a:r>
+              <a:rPr lang="en-US" altLang="ja-JP" sz="1484" dirty="0">
+                <a:solidFill>
+                  <a:schemeClr val="tx1">
+                    <a:lumMod val="95000"/>
+                    <a:lumOff val="5000"/>
+                  </a:schemeClr>
+                </a:solidFill>
+              </a:rPr>
+              <a:t>4H or less	: Free</a:t>
+            </a:r>
+          </a:p>
+          <a:p>
+            <a:pPr>
+              <a:tabLst>
+                <a:tab pos="1155941" algn="l"/>
+              </a:tabLst>
+            </a:pPr>
+            <a:r>
+              <a:rPr lang="en-US" altLang="ja-JP" sz="1484" dirty="0">
+                <a:solidFill>
+                  <a:schemeClr val="tx1">
+                    <a:lumMod val="95000"/>
+                    <a:lumOff val="5000"/>
+                  </a:schemeClr>
+                </a:solidFill>
+              </a:rPr>
+              <a:t> More than 4H	: 10 USD</a:t>
+            </a:r>
+          </a:p>
+        </p:txBody>
+      </p:sp>
+      <p:sp>
+        <p:nvSpPr>
+          <p:cNvPr id="47" name="Rectangle 46">
+            <a:extLst>
+              <a:ext uri="{FF2B5EF4-FFF2-40B4-BE49-F238E27FC236}">
+                <a16:creationId xmlns:a16="http://schemas.microsoft.com/office/drawing/2014/main" id="{85D3C582-E10A-4DBD-BCA2-1F7FE5714571}"/>
+              </a:ext>
+            </a:extLst>
+          </p:cNvPr>
+          <p:cNvSpPr/>
+          <p:nvPr/>
+        </p:nvSpPr>
+        <p:spPr>
+          <a:xfrm>
+            <a:off x="4266273" y="4493983"/>
+            <a:ext cx="2111752" cy="1007901"/>
+          </a:xfrm>
+          <a:prstGeom prst="rect">
+            <a:avLst/>
+          </a:prstGeom>
+          <a:noFill/>
+          <a:ln>
+            <a:solidFill>
+              <a:schemeClr val="tx1">
+                <a:lumMod val="95000"/>
+                <a:lumOff val="5000"/>
+              </a:schemeClr>
+            </a:solidFill>
+          </a:ln>
+        </p:spPr>
+        <p:style>
+          <a:lnRef idx="1">
+            <a:schemeClr val="dk1"/>
+          </a:lnRef>
+          <a:fillRef idx="2">
+            <a:schemeClr val="dk1"/>
+          </a:fillRef>
+          <a:effectRef idx="1">
+            <a:schemeClr val="dk1"/>
+          </a:effectRef>
+          <a:fontRef idx="minor">
+            <a:schemeClr val="dk1"/>
+          </a:fontRef>
+        </p:style>
+        <p:txBody>
+          <a:bodyPr rtlCol="0" anchor="ctr"/>
+          <a:lstStyle/>
+          <a:p>
+            <a:pPr algn="ctr"/>
+            <a:r>
+              <a:rPr lang="en-US" altLang="ja-JP" sz="1484" dirty="0">
+                <a:solidFill>
+                  <a:schemeClr val="tx1">
+                    <a:lumMod val="95000"/>
+                    <a:lumOff val="5000"/>
+                  </a:schemeClr>
+                </a:solidFill>
+              </a:rPr>
+              <a:t>Depends on the teacher</a:t>
+            </a:r>
+            <a:endParaRPr lang="ja-JP" altLang="en-US" sz="1484" dirty="0">
+              <a:solidFill>
+                <a:schemeClr val="tx1">
+                  <a:lumMod val="95000"/>
+                  <a:lumOff val="5000"/>
+                </a:schemeClr>
+              </a:solidFill>
+            </a:endParaRPr>
+          </a:p>
+        </p:txBody>
+      </p:sp>
+      <p:sp>
+        <p:nvSpPr>
+          <p:cNvPr id="49" name="Rectangle 48">
+            <a:extLst>
+              <a:ext uri="{FF2B5EF4-FFF2-40B4-BE49-F238E27FC236}">
+                <a16:creationId xmlns:a16="http://schemas.microsoft.com/office/drawing/2014/main" id="{C37F2386-852C-4975-B09E-6681E58439AC}"/>
+              </a:ext>
+            </a:extLst>
+          </p:cNvPr>
+          <p:cNvSpPr/>
+          <p:nvPr/>
+        </p:nvSpPr>
+        <p:spPr>
+          <a:xfrm>
+            <a:off x="4266273" y="1755116"/>
+            <a:ext cx="2111752" cy="352309"/>
+          </a:xfrm>
+          <a:prstGeom prst="rect">
+            <a:avLst/>
+          </a:prstGeom>
+          <a:noFill/>
+          <a:ln>
+            <a:noFill/>
+          </a:ln>
+        </p:spPr>
+        <p:style>
+          <a:lnRef idx="1">
+            <a:schemeClr val="dk1"/>
+          </a:lnRef>
+          <a:fillRef idx="2">
+            <a:schemeClr val="dk1"/>
+          </a:fillRef>
+          <a:effectRef idx="1">
+            <a:schemeClr val="dk1"/>
+          </a:effectRef>
+          <a:fontRef idx="minor">
+            <a:schemeClr val="dk1"/>
+          </a:fontRef>
+        </p:style>
+        <p:txBody>
+          <a:bodyPr wrap="none" rtlCol="0" anchor="ctr"/>
+          <a:lstStyle/>
+          <a:p>
+            <a:pPr algn="ctr"/>
+            <a:r>
+              <a:rPr lang="en-US" altLang="ja-JP" sz="1696" b="1" u="sng" dirty="0">
+                <a:solidFill>
+                  <a:schemeClr val="tx1">
+                    <a:lumMod val="95000"/>
+                    <a:lumOff val="5000"/>
+                  </a:schemeClr>
+                </a:solidFill>
+              </a:rPr>
+              <a:t>After initial stage</a:t>
+            </a:r>
+            <a:endParaRPr lang="ja-JP" altLang="en-US" sz="1696" b="1" u="sng" dirty="0">
+              <a:solidFill>
+                <a:schemeClr val="tx1">
+                  <a:lumMod val="95000"/>
+                  <a:lumOff val="5000"/>
+                </a:schemeClr>
+              </a:solidFill>
+            </a:endParaRPr>
+          </a:p>
+        </p:txBody>
+      </p:sp>
+      <p:sp>
+        <p:nvSpPr>
+          <p:cNvPr id="50" name="Rectangle 49">
+            <a:extLst>
+              <a:ext uri="{FF2B5EF4-FFF2-40B4-BE49-F238E27FC236}">
+                <a16:creationId xmlns:a16="http://schemas.microsoft.com/office/drawing/2014/main" id="{4A1ABFBB-801A-4203-ADD8-867A0644E4A5}"/>
+              </a:ext>
+            </a:extLst>
+          </p:cNvPr>
+          <p:cNvSpPr/>
+          <p:nvPr/>
+        </p:nvSpPr>
+        <p:spPr>
+          <a:xfrm>
+            <a:off x="5318595" y="995341"/>
+            <a:ext cx="1059430" cy="481219"/>
+          </a:xfrm>
+          <a:prstGeom prst="rect">
+            <a:avLst/>
+          </a:prstGeom>
+          <a:solidFill>
+            <a:schemeClr val="bg1"/>
+          </a:solidFill>
+          <a:ln>
+            <a:solidFill>
+              <a:schemeClr val="bg1"/>
+            </a:solidFill>
+          </a:ln>
+        </p:spPr>
+        <p:style>
+          <a:lnRef idx="2">
+            <a:schemeClr val="dk1"/>
+          </a:lnRef>
+          <a:fillRef idx="1">
+            <a:schemeClr val="lt1"/>
+          </a:fillRef>
+          <a:effectRef idx="0">
+            <a:schemeClr val="dk1"/>
+          </a:effectRef>
+          <a:fontRef idx="minor">
+            <a:schemeClr val="dk1"/>
+          </a:fontRef>
+        </p:style>
+        <p:txBody>
+          <a:bodyPr rtlCol="0" anchor="ctr"/>
+          <a:lstStyle/>
+          <a:p>
+            <a:r>
+              <a:rPr lang="en-US" altLang="ja-JP" sz="1696" dirty="0"/>
+              <a:t>(monthly)</a:t>
+            </a:r>
+          </a:p>
+        </p:txBody>
+      </p:sp>
+      <p:sp>
+        <p:nvSpPr>
+          <p:cNvPr id="51" name="Rectangle 50">
+            <a:extLst>
+              <a:ext uri="{FF2B5EF4-FFF2-40B4-BE49-F238E27FC236}">
+                <a16:creationId xmlns:a16="http://schemas.microsoft.com/office/drawing/2014/main" id="{07A3505E-8457-4B0F-9873-CD80A0794113}"/>
+              </a:ext>
+            </a:extLst>
+          </p:cNvPr>
+          <p:cNvSpPr/>
+          <p:nvPr/>
+        </p:nvSpPr>
+        <p:spPr>
+          <a:xfrm>
+            <a:off x="114702" y="3307064"/>
+            <a:ext cx="1831667" cy="1007901"/>
+          </a:xfrm>
+          <a:prstGeom prst="rect">
+            <a:avLst/>
+          </a:prstGeom>
+          <a:solidFill>
+            <a:srgbClr val="ED6F11"/>
+          </a:solidFill>
+          <a:ln>
+            <a:noFill/>
+          </a:ln>
+        </p:spPr>
+        <p:style>
+          <a:lnRef idx="1">
+            <a:schemeClr val="dk1"/>
+          </a:lnRef>
+          <a:fillRef idx="2">
+            <a:schemeClr val="dk1"/>
+          </a:fillRef>
+          <a:effectRef idx="1">
+            <a:schemeClr val="dk1"/>
+          </a:effectRef>
+          <a:fontRef idx="minor">
+            <a:schemeClr val="dk1"/>
+          </a:fontRef>
+        </p:style>
+        <p:txBody>
+          <a:bodyPr rtlCol="0" anchor="ctr"/>
+          <a:lstStyle/>
+          <a:p>
+            <a:pPr algn="ctr"/>
+            <a:r>
+              <a:rPr lang="en-US" altLang="ja-JP" sz="1696" b="1" dirty="0">
+                <a:solidFill>
+                  <a:schemeClr val="bg1"/>
+                </a:solidFill>
+              </a:rPr>
+              <a:t>Learner-Employed</a:t>
+            </a:r>
+          </a:p>
+          <a:p>
+            <a:pPr algn="ctr"/>
+            <a:r>
+              <a:rPr lang="en-US" altLang="ja-JP" sz="1696" b="1" dirty="0">
+                <a:solidFill>
+                  <a:schemeClr val="bg1"/>
+                </a:solidFill>
+              </a:rPr>
+              <a:t>Filipino teacher</a:t>
+            </a:r>
+          </a:p>
+        </p:txBody>
+      </p:sp>
+      <p:sp>
+        <p:nvSpPr>
+          <p:cNvPr id="52" name="Rectangle 51">
+            <a:extLst>
+              <a:ext uri="{FF2B5EF4-FFF2-40B4-BE49-F238E27FC236}">
+                <a16:creationId xmlns:a16="http://schemas.microsoft.com/office/drawing/2014/main" id="{539B1FC8-0C88-411D-B87B-7EC469D54933}"/>
+              </a:ext>
+            </a:extLst>
+          </p:cNvPr>
+          <p:cNvSpPr/>
+          <p:nvPr/>
+        </p:nvSpPr>
+        <p:spPr>
+          <a:xfrm>
+            <a:off x="2048678" y="3307064"/>
+            <a:ext cx="2111752" cy="1007901"/>
+          </a:xfrm>
+          <a:prstGeom prst="rect">
+            <a:avLst/>
+          </a:prstGeom>
+          <a:noFill/>
+          <a:ln>
+            <a:solidFill>
+              <a:schemeClr val="tx1">
+                <a:lumMod val="95000"/>
+                <a:lumOff val="5000"/>
+              </a:schemeClr>
+            </a:solidFill>
+          </a:ln>
+        </p:spPr>
+        <p:style>
+          <a:lnRef idx="1">
+            <a:schemeClr val="dk1"/>
+          </a:lnRef>
+          <a:fillRef idx="2">
+            <a:schemeClr val="dk1"/>
+          </a:fillRef>
+          <a:effectRef idx="1">
+            <a:schemeClr val="dk1"/>
+          </a:effectRef>
+          <a:fontRef idx="minor">
+            <a:schemeClr val="dk1"/>
+          </a:fontRef>
+        </p:style>
+        <p:txBody>
+          <a:bodyPr rtlCol="0" anchor="ctr"/>
+          <a:lstStyle/>
+          <a:p>
+            <a:pPr defTabSz="848026">
+              <a:tabLst>
+                <a:tab pos="1458807" algn="l"/>
+              </a:tabLst>
+            </a:pPr>
+            <a:r>
+              <a:rPr lang="en-US" altLang="ja-JP" sz="1484" dirty="0">
+                <a:solidFill>
+                  <a:schemeClr val="tx1">
+                    <a:lumMod val="95000"/>
+                    <a:lumOff val="5000"/>
+                  </a:schemeClr>
+                </a:solidFill>
+              </a:rPr>
+              <a:t>Call for </a:t>
+            </a:r>
+          </a:p>
+          <a:p>
+            <a:pPr>
+              <a:tabLst>
+                <a:tab pos="1458807" algn="l"/>
+              </a:tabLst>
+            </a:pPr>
+            <a:r>
+              <a:rPr lang="en-US" altLang="ja-JP" sz="1484" dirty="0">
+                <a:solidFill>
+                  <a:schemeClr val="tx1">
+                    <a:lumMod val="95000"/>
+                    <a:lumOff val="5000"/>
+                  </a:schemeClr>
+                </a:solidFill>
+              </a:rPr>
+              <a:t>  2H(30MIN×4)</a:t>
+            </a:r>
+            <a:r>
+              <a:rPr lang="ja-JP" altLang="en-US" sz="1484" dirty="0">
+                <a:solidFill>
+                  <a:schemeClr val="tx1">
+                    <a:lumMod val="95000"/>
+                    <a:lumOff val="5000"/>
+                  </a:schemeClr>
+                </a:solidFill>
+              </a:rPr>
+              <a:t>  </a:t>
+            </a:r>
+            <a:r>
+              <a:rPr lang="en-US" altLang="ja-JP" sz="1484" dirty="0">
+                <a:solidFill>
+                  <a:schemeClr val="tx1">
+                    <a:lumMod val="95000"/>
+                    <a:lumOff val="5000"/>
+                  </a:schemeClr>
+                </a:solidFill>
+              </a:rPr>
+              <a:t>: Free</a:t>
+            </a:r>
+            <a:endParaRPr lang="ja-JP" altLang="en-US" sz="1484" dirty="0">
+              <a:solidFill>
+                <a:schemeClr val="tx1">
+                  <a:lumMod val="95000"/>
+                  <a:lumOff val="5000"/>
+                </a:schemeClr>
+              </a:solidFill>
+            </a:endParaRPr>
+          </a:p>
+        </p:txBody>
+      </p:sp>
+      <p:sp>
+        <p:nvSpPr>
+          <p:cNvPr id="53" name="Rectangle 52">
+            <a:extLst>
+              <a:ext uri="{FF2B5EF4-FFF2-40B4-BE49-F238E27FC236}">
+                <a16:creationId xmlns:a16="http://schemas.microsoft.com/office/drawing/2014/main" id="{221478D1-81A2-499E-AFDA-2F0563F9A6D0}"/>
+              </a:ext>
+            </a:extLst>
+          </p:cNvPr>
+          <p:cNvSpPr/>
+          <p:nvPr/>
+        </p:nvSpPr>
+        <p:spPr>
+          <a:xfrm>
+            <a:off x="4266273" y="3307064"/>
+            <a:ext cx="2111752" cy="1007901"/>
+          </a:xfrm>
+          <a:prstGeom prst="rect">
+            <a:avLst/>
+          </a:prstGeom>
+          <a:noFill/>
+          <a:ln>
+            <a:solidFill>
+              <a:schemeClr val="tx1">
+                <a:lumMod val="95000"/>
+                <a:lumOff val="5000"/>
+              </a:schemeClr>
+            </a:solidFill>
+          </a:ln>
+        </p:spPr>
+        <p:style>
+          <a:lnRef idx="1">
+            <a:schemeClr val="dk1"/>
+          </a:lnRef>
+          <a:fillRef idx="2">
+            <a:schemeClr val="dk1"/>
+          </a:fillRef>
+          <a:effectRef idx="1">
+            <a:schemeClr val="dk1"/>
+          </a:effectRef>
+          <a:fontRef idx="minor">
+            <a:schemeClr val="dk1"/>
+          </a:fontRef>
+        </p:style>
+        <p:txBody>
+          <a:bodyPr rtlCol="0" anchor="ctr"/>
+          <a:lstStyle/>
+          <a:p>
+            <a:pPr defTabSz="848026">
+              <a:tabLst>
+                <a:tab pos="1330930" algn="l"/>
+              </a:tabLst>
+            </a:pPr>
+            <a:r>
+              <a:rPr lang="en-US" altLang="ja-JP" sz="1484" dirty="0">
+                <a:solidFill>
+                  <a:schemeClr val="tx1">
+                    <a:lumMod val="95000"/>
+                    <a:lumOff val="5000"/>
+                  </a:schemeClr>
+                </a:solidFill>
+              </a:rPr>
+              <a:t>Call for </a:t>
+            </a:r>
+          </a:p>
+          <a:p>
+            <a:pPr>
+              <a:tabLst>
+                <a:tab pos="1330930" algn="l"/>
+              </a:tabLst>
+            </a:pPr>
+            <a:r>
+              <a:rPr lang="en-US" altLang="ja-JP" sz="1484" dirty="0">
+                <a:solidFill>
+                  <a:schemeClr val="tx1">
+                    <a:lumMod val="95000"/>
+                    <a:lumOff val="5000"/>
+                  </a:schemeClr>
+                </a:solidFill>
+              </a:rPr>
+              <a:t>  2H(30MIN×4): 10 USD</a:t>
+            </a:r>
+            <a:endParaRPr lang="ja-JP" altLang="en-US" sz="1484" dirty="0">
+              <a:solidFill>
+                <a:schemeClr val="tx1">
+                  <a:lumMod val="95000"/>
+                  <a:lumOff val="5000"/>
+                </a:schemeClr>
+              </a:solidFill>
+            </a:endParaRPr>
+          </a:p>
+        </p:txBody>
+      </p:sp>
+    </p:spTree>
+    <p:extLst>
+      <p:ext uri="{BB962C8B-B14F-4D97-AF65-F5344CB8AC3E}">
+        <p14:creationId xmlns:p14="http://schemas.microsoft.com/office/powerpoint/2010/main" val="515520304"/>
+      </p:ext>
+    </p:extLst>
+  </p:cSld>
+  <p:clrMapOvr>
+    <a:masterClrMapping/>
+  </p:clrMapOvr>
+</p:sld>
+</file>
+
+<file path=ppt/slides/slide7.xml><?xml version="1.0" encoding="utf-8"?>
+<p:sld xmlns:a="http://schemas.openxmlformats.org/drawingml/2006/main" xmlns:r="http://schemas.openxmlformats.org/officeDocument/2006/relationships" xmlns:p="http://schemas.openxmlformats.org/presentationml/2006/main">
+  <p:cSld>
+    <p:spTree>
+      <p:nvGrpSpPr>
+        <p:cNvPr id="1" name=""/>
+        <p:cNvGrpSpPr/>
+        <p:nvPr/>
+      </p:nvGrpSpPr>
+      <p:grpSpPr>
+        <a:xfrm>
+          <a:off x="0" y="0"/>
+          <a:ext cx="0" cy="0"/>
+          <a:chOff x="0" y="0"/>
+          <a:chExt cx="0" cy="0"/>
+        </a:xfrm>
+      </p:grpSpPr>
+      <p:sp>
+        <p:nvSpPr>
+          <p:cNvPr id="21" name="Rectangle 20">
+            <a:extLst>
+              <a:ext uri="{FF2B5EF4-FFF2-40B4-BE49-F238E27FC236}">
+                <a16:creationId xmlns:a16="http://schemas.microsoft.com/office/drawing/2014/main" id="{084DEB79-1A12-4920-931B-22125681A7EA}"/>
+              </a:ext>
+            </a:extLst>
+          </p:cNvPr>
+          <p:cNvSpPr/>
+          <p:nvPr/>
+        </p:nvSpPr>
+        <p:spPr>
+          <a:xfrm>
             <a:off x="320023" y="351401"/>
             <a:ext cx="2926414" cy="631008"/>
           </a:xfrm>
@@ -7659,7 +8019,7 @@
 </p:sld>
 </file>
 
-<file path=ppt/slides/slide7.xml><?xml version="1.0" encoding="utf-8"?>
+<file path=ppt/slides/slide8.xml><?xml version="1.0" encoding="utf-8"?>
 <p:sld xmlns:a="http://schemas.openxmlformats.org/drawingml/2006/main" xmlns:r="http://schemas.openxmlformats.org/officeDocument/2006/relationships" xmlns:p="http://schemas.openxmlformats.org/presentationml/2006/main">
   <p:cSld>
     <p:spTree>
